--- a/2-幻灯片/第3周-项目计划.pptx
+++ b/2-幻灯片/第3周-项目计划.pptx
@@ -9,13 +9,17 @@
     <p:sldId id="260" r:id="rId3"/>
     <p:sldId id="267" r:id="rId4"/>
     <p:sldId id="266" r:id="rId5"/>
-    <p:sldId id="269" r:id="rId6"/>
-    <p:sldId id="270" r:id="rId7"/>
-    <p:sldId id="262" r:id="rId8"/>
-    <p:sldId id="264" r:id="rId9"/>
-    <p:sldId id="265" r:id="rId10"/>
-    <p:sldId id="268" r:id="rId11"/>
-    <p:sldId id="257" r:id="rId12"/>
+    <p:sldId id="272" r:id="rId6"/>
+    <p:sldId id="273" r:id="rId7"/>
+    <p:sldId id="276" r:id="rId8"/>
+    <p:sldId id="274" r:id="rId9"/>
+    <p:sldId id="269" r:id="rId10"/>
+    <p:sldId id="270" r:id="rId11"/>
+    <p:sldId id="275" r:id="rId12"/>
+    <p:sldId id="262" r:id="rId13"/>
+    <p:sldId id="268" r:id="rId14"/>
+    <p:sldId id="265" r:id="rId15"/>
+    <p:sldId id="257" r:id="rId16"/>
   </p:sldIdLst>
   <p:sldSz cx="12192000" cy="6858000"/>
   <p:notesSz cx="6858000" cy="9144000"/>
@@ -867,7 +871,7 @@
           <a:p>
             <a:fld id="{EF7FC363-97AA-4646-859A-C52C7FC81DA1}" type="datetimeFigureOut">
               <a:rPr kumimoji="1" lang="zh-CN" altLang="en-US" smtClean="0"/>
-              <a:t>2020/3/19</a:t>
+              <a:t>2020/3/20</a:t>
             </a:fld>
             <a:endParaRPr kumimoji="1" lang="zh-CN" altLang="en-US"/>
           </a:p>
@@ -1123,7 +1127,7 @@
           <a:p>
             <a:fld id="{EF7FC363-97AA-4646-859A-C52C7FC81DA1}" type="datetimeFigureOut">
               <a:rPr kumimoji="1" lang="zh-CN" altLang="en-US" smtClean="0"/>
-              <a:t>2020/3/19</a:t>
+              <a:t>2020/3/20</a:t>
             </a:fld>
             <a:endParaRPr kumimoji="1" lang="zh-CN" altLang="en-US"/>
           </a:p>
@@ -1447,7 +1451,7 @@
           <a:p>
             <a:fld id="{EF7FC363-97AA-4646-859A-C52C7FC81DA1}" type="datetimeFigureOut">
               <a:rPr kumimoji="1" lang="zh-CN" altLang="en-US" smtClean="0"/>
-              <a:t>2020/3/19</a:t>
+              <a:t>2020/3/20</a:t>
             </a:fld>
             <a:endParaRPr kumimoji="1" lang="zh-CN" altLang="en-US"/>
           </a:p>
@@ -1785,7 +1789,7 @@
           <a:p>
             <a:fld id="{EF7FC363-97AA-4646-859A-C52C7FC81DA1}" type="datetimeFigureOut">
               <a:rPr kumimoji="1" lang="zh-CN" altLang="en-US" smtClean="0"/>
-              <a:t>2020/3/19</a:t>
+              <a:t>2020/3/20</a:t>
             </a:fld>
             <a:endParaRPr kumimoji="1" lang="zh-CN" altLang="en-US"/>
           </a:p>
@@ -2109,7 +2113,7 @@
           <a:p>
             <a:fld id="{EF7FC363-97AA-4646-859A-C52C7FC81DA1}" type="datetimeFigureOut">
               <a:rPr kumimoji="1" lang="zh-CN" altLang="en-US" smtClean="0"/>
-              <a:t>2020/3/19</a:t>
+              <a:t>2020/3/20</a:t>
             </a:fld>
             <a:endParaRPr kumimoji="1" lang="zh-CN" altLang="en-US"/>
           </a:p>
@@ -2512,7 +2516,7 @@
           <a:p>
             <a:fld id="{EF7FC363-97AA-4646-859A-C52C7FC81DA1}" type="datetimeFigureOut">
               <a:rPr kumimoji="1" lang="zh-CN" altLang="en-US" smtClean="0"/>
-              <a:t>2020/3/19</a:t>
+              <a:t>2020/3/20</a:t>
             </a:fld>
             <a:endParaRPr kumimoji="1" lang="zh-CN" altLang="en-US"/>
           </a:p>
@@ -2658,7 +2662,7 @@
           <a:p>
             <a:fld id="{EF7FC363-97AA-4646-859A-C52C7FC81DA1}" type="datetimeFigureOut">
               <a:rPr kumimoji="1" lang="zh-CN" altLang="en-US" smtClean="0"/>
-              <a:t>2020/3/19</a:t>
+              <a:t>2020/3/20</a:t>
             </a:fld>
             <a:endParaRPr kumimoji="1" lang="zh-CN" altLang="en-US"/>
           </a:p>
@@ -2814,7 +2818,7 @@
           <a:p>
             <a:fld id="{EF7FC363-97AA-4646-859A-C52C7FC81DA1}" type="datetimeFigureOut">
               <a:rPr kumimoji="1" lang="zh-CN" altLang="en-US" smtClean="0"/>
-              <a:t>2020/3/19</a:t>
+              <a:t>2020/3/20</a:t>
             </a:fld>
             <a:endParaRPr kumimoji="1" lang="zh-CN" altLang="en-US"/>
           </a:p>
@@ -2960,7 +2964,7 @@
           <a:p>
             <a:fld id="{EF7FC363-97AA-4646-859A-C52C7FC81DA1}" type="datetimeFigureOut">
               <a:rPr kumimoji="1" lang="zh-CN" altLang="en-US" smtClean="0"/>
-              <a:t>2020/3/19</a:t>
+              <a:t>2020/3/20</a:t>
             </a:fld>
             <a:endParaRPr kumimoji="1" lang="zh-CN" altLang="en-US"/>
           </a:p>
@@ -3212,7 +3216,7 @@
           <a:p>
             <a:fld id="{EF7FC363-97AA-4646-859A-C52C7FC81DA1}" type="datetimeFigureOut">
               <a:rPr kumimoji="1" lang="zh-CN" altLang="en-US" smtClean="0"/>
-              <a:t>2020/3/19</a:t>
+              <a:t>2020/3/20</a:t>
             </a:fld>
             <a:endParaRPr kumimoji="1" lang="zh-CN" altLang="en-US"/>
           </a:p>
@@ -3396,7 +3400,7 @@
           <a:p>
             <a:fld id="{EF7FC363-97AA-4646-859A-C52C7FC81DA1}" type="datetimeFigureOut">
               <a:rPr kumimoji="1" lang="zh-CN" altLang="en-US" smtClean="0"/>
-              <a:t>2020/3/19</a:t>
+              <a:t>2020/3/20</a:t>
             </a:fld>
             <a:endParaRPr kumimoji="1" lang="zh-CN" altLang="en-US"/>
           </a:p>
@@ -3732,7 +3736,7 @@
           <a:p>
             <a:fld id="{EF7FC363-97AA-4646-859A-C52C7FC81DA1}" type="datetimeFigureOut">
               <a:rPr kumimoji="1" lang="zh-CN" altLang="en-US" smtClean="0"/>
-              <a:t>2020/3/19</a:t>
+              <a:t>2020/3/20</a:t>
             </a:fld>
             <a:endParaRPr kumimoji="1" lang="zh-CN" altLang="en-US"/>
           </a:p>
@@ -3855,7 +3859,7 @@
           <a:p>
             <a:fld id="{EF7FC363-97AA-4646-859A-C52C7FC81DA1}" type="datetimeFigureOut">
               <a:rPr kumimoji="1" lang="zh-CN" altLang="en-US" smtClean="0"/>
-              <a:t>2020/3/19</a:t>
+              <a:t>2020/3/20</a:t>
             </a:fld>
             <a:endParaRPr kumimoji="1" lang="zh-CN" altLang="en-US"/>
           </a:p>
@@ -3950,7 +3954,7 @@
           <a:p>
             <a:fld id="{EF7FC363-97AA-4646-859A-C52C7FC81DA1}" type="datetimeFigureOut">
               <a:rPr kumimoji="1" lang="zh-CN" altLang="en-US" smtClean="0"/>
-              <a:t>2020/3/19</a:t>
+              <a:t>2020/3/20</a:t>
             </a:fld>
             <a:endParaRPr kumimoji="1" lang="zh-CN" altLang="en-US"/>
           </a:p>
@@ -4186,7 +4190,7 @@
           <a:p>
             <a:fld id="{EF7FC363-97AA-4646-859A-C52C7FC81DA1}" type="datetimeFigureOut">
               <a:rPr kumimoji="1" lang="zh-CN" altLang="en-US" smtClean="0"/>
-              <a:t>2020/3/19</a:t>
+              <a:t>2020/3/20</a:t>
             </a:fld>
             <a:endParaRPr kumimoji="1" lang="zh-CN" altLang="en-US"/>
           </a:p>
@@ -4496,7 +4500,7 @@
           <a:p>
             <a:fld id="{EF7FC363-97AA-4646-859A-C52C7FC81DA1}" type="datetimeFigureOut">
               <a:rPr kumimoji="1" lang="zh-CN" altLang="en-US" smtClean="0"/>
-              <a:t>2020/3/19</a:t>
+              <a:t>2020/3/20</a:t>
             </a:fld>
             <a:endParaRPr kumimoji="1" lang="zh-CN" altLang="en-US"/>
           </a:p>
@@ -5174,7 +5178,7 @@
           <a:p>
             <a:fld id="{EF7FC363-97AA-4646-859A-C52C7FC81DA1}" type="datetimeFigureOut">
               <a:rPr kumimoji="1" lang="zh-CN" altLang="en-US" smtClean="0"/>
-              <a:t>2020/3/19</a:t>
+              <a:t>2020/3/20</a:t>
             </a:fld>
             <a:endParaRPr kumimoji="1" lang="zh-CN" altLang="en-US"/>
           </a:p>
@@ -5865,6 +5869,535 @@
           <a:p>
             <a:r>
               <a:rPr kumimoji="1" lang="zh-CN" altLang="en-US" dirty="0"/>
+              <a:t>技术路线</a:t>
+            </a:r>
+            <a:r>
+              <a:rPr kumimoji="1" lang="en-US" altLang="zh-CN" dirty="0"/>
+              <a:t>——</a:t>
+            </a:r>
+            <a:r>
+              <a:rPr kumimoji="1" lang="zh-CN" altLang="en-US" dirty="0"/>
+              <a:t>可视化部分</a:t>
+            </a:r>
+          </a:p>
+        </p:txBody>
+      </p:sp>
+      <p:sp>
+        <p:nvSpPr>
+          <p:cNvPr id="3" name="内容占位符 2">
+            <a:extLst>
+              <a:ext uri="{FF2B5EF4-FFF2-40B4-BE49-F238E27FC236}">
+                <a16:creationId xmlns:a16="http://schemas.microsoft.com/office/drawing/2014/main" id="{0319CC14-6A9F-AB47-886E-C570F2C7141B}"/>
+              </a:ext>
+            </a:extLst>
+          </p:cNvPr>
+          <p:cNvSpPr>
+            <a:spLocks noGrp="1"/>
+          </p:cNvSpPr>
+          <p:nvPr>
+            <p:ph idx="1"/>
+          </p:nvPr>
+        </p:nvSpPr>
+        <p:spPr>
+          <a:xfrm>
+            <a:off x="677334" y="1555667"/>
+            <a:ext cx="8596668" cy="4485695"/>
+          </a:xfrm>
+        </p:spPr>
+        <p:txBody>
+          <a:bodyPr>
+            <a:normAutofit/>
+          </a:bodyPr>
+          <a:lstStyle/>
+          <a:p>
+            <a:pPr marL="0" indent="457200">
+              <a:lnSpc>
+                <a:spcPct val="150000"/>
+              </a:lnSpc>
+              <a:buNone/>
+            </a:pPr>
+            <a:r>
+              <a:rPr lang="zh-CN" altLang="zh-CN" dirty="0"/>
+              <a:t>服务器使用</a:t>
+            </a:r>
+            <a:r>
+              <a:rPr lang="en-US" altLang="zh-CN" dirty="0"/>
+              <a:t>python</a:t>
+            </a:r>
+            <a:r>
+              <a:rPr lang="zh-CN" altLang="zh-CN" dirty="0"/>
+              <a:t>语言的</a:t>
+            </a:r>
+            <a:r>
+              <a:rPr lang="en-US" altLang="zh-CN" dirty="0"/>
+              <a:t>flask</a:t>
+            </a:r>
+            <a:r>
+              <a:rPr lang="zh-CN" altLang="zh-CN" dirty="0"/>
+              <a:t>框架进行搭建。前端使用</a:t>
+            </a:r>
+            <a:r>
+              <a:rPr lang="en-US" altLang="zh-CN" dirty="0"/>
+              <a:t>flask</a:t>
+            </a:r>
+            <a:r>
+              <a:rPr lang="zh-CN" altLang="zh-CN" dirty="0"/>
+              <a:t>框架提供的前端支持与原生</a:t>
+            </a:r>
+            <a:r>
+              <a:rPr lang="en-US" altLang="zh-CN" dirty="0"/>
+              <a:t>html</a:t>
+            </a:r>
+            <a:r>
+              <a:rPr lang="zh-CN" altLang="zh-CN" dirty="0"/>
+              <a:t>语言，同时使用前端</a:t>
+            </a:r>
+            <a:r>
+              <a:rPr lang="en-US" altLang="zh-CN" dirty="0" err="1"/>
+              <a:t>ui</a:t>
+            </a:r>
+            <a:r>
+              <a:rPr lang="zh-CN" altLang="zh-CN" dirty="0"/>
+              <a:t>包</a:t>
+            </a:r>
+            <a:r>
+              <a:rPr lang="en-US" altLang="zh-CN" dirty="0" err="1"/>
+              <a:t>Element.ui</a:t>
+            </a:r>
+            <a:r>
+              <a:rPr lang="zh-CN" altLang="zh-CN" dirty="0"/>
+              <a:t>进行搭建。这是一个前后端不分离的项目。</a:t>
+            </a:r>
+          </a:p>
+          <a:p>
+            <a:pPr marL="0" indent="457200">
+              <a:lnSpc>
+                <a:spcPct val="150000"/>
+              </a:lnSpc>
+              <a:buNone/>
+            </a:pPr>
+            <a:r>
+              <a:rPr lang="zh-CN" altLang="zh-CN" dirty="0"/>
+              <a:t>使用场景为</a:t>
+            </a:r>
+            <a:r>
+              <a:rPr lang="zh-CN" altLang="en-US" dirty="0"/>
+              <a:t>需要使用</a:t>
+            </a:r>
+            <a:r>
+              <a:rPr lang="en-US" altLang="zh-CN" dirty="0" err="1"/>
+              <a:t>WebUI</a:t>
+            </a:r>
+            <a:r>
+              <a:rPr lang="zh-CN" altLang="en-US" dirty="0"/>
+              <a:t>的</a:t>
+            </a:r>
+            <a:r>
+              <a:rPr lang="zh-CN" altLang="zh-CN" dirty="0"/>
+              <a:t>用户在</a:t>
+            </a:r>
+            <a:r>
+              <a:rPr lang="en-US" altLang="zh-CN" dirty="0"/>
+              <a:t>IDE</a:t>
+            </a:r>
+            <a:r>
+              <a:rPr lang="zh-CN" altLang="zh-CN" dirty="0"/>
+              <a:t>内创建一个实体对象，调用</a:t>
+            </a:r>
+            <a:r>
+              <a:rPr lang="en-US" altLang="zh-CN" dirty="0"/>
+              <a:t>run</a:t>
+            </a:r>
+            <a:r>
+              <a:rPr lang="zh-CN" altLang="zh-CN" dirty="0"/>
+              <a:t>方法。即可在浏览器内查看</a:t>
+            </a:r>
+            <a:r>
+              <a:rPr lang="en-US" altLang="zh-CN" dirty="0"/>
+              <a:t>localhost</a:t>
+            </a:r>
+            <a:r>
+              <a:rPr lang="zh-CN" altLang="zh-CN" dirty="0"/>
+              <a:t>的特定端口看到</a:t>
+            </a:r>
+            <a:r>
+              <a:rPr lang="en-US" altLang="zh-CN" dirty="0" err="1"/>
+              <a:t>ui</a:t>
+            </a:r>
+            <a:r>
+              <a:rPr lang="zh-CN" altLang="zh-CN" dirty="0"/>
+              <a:t>调试界面。</a:t>
+            </a:r>
+          </a:p>
+          <a:p>
+            <a:pPr marL="0" indent="457200">
+              <a:lnSpc>
+                <a:spcPct val="150000"/>
+              </a:lnSpc>
+              <a:buNone/>
+            </a:pPr>
+            <a:r>
+              <a:rPr lang="zh-CN" altLang="zh-CN" dirty="0"/>
+              <a:t>后端使用</a:t>
+            </a:r>
+            <a:r>
+              <a:rPr lang="en-US" altLang="zh-CN" dirty="0"/>
+              <a:t>flask</a:t>
+            </a:r>
+            <a:r>
+              <a:rPr lang="zh-CN" altLang="zh-CN" dirty="0"/>
+              <a:t>框架提供用于各个场景的接口。前端编写网页并且调用这些接口完成项目预期实现的功能。与实现一个线上网站的方法比较类似。</a:t>
+            </a:r>
+          </a:p>
+          <a:p>
+            <a:endParaRPr kumimoji="1" lang="zh-CN" altLang="en-US" sz="2000" dirty="0"/>
+          </a:p>
+        </p:txBody>
+      </p:sp>
+    </p:spTree>
+    <p:extLst>
+      <p:ext uri="{BB962C8B-B14F-4D97-AF65-F5344CB8AC3E}">
+        <p14:creationId xmlns:p14="http://schemas.microsoft.com/office/powerpoint/2010/main" val="3140891417"/>
+      </p:ext>
+    </p:extLst>
+  </p:cSld>
+  <p:clrMapOvr>
+    <a:masterClrMapping/>
+  </p:clrMapOvr>
+</p:sld>
+</file>
+
+<file path=ppt/slides/slide11.xml><?xml version="1.0" encoding="utf-8"?>
+<p:sld xmlns:a="http://schemas.openxmlformats.org/drawingml/2006/main" xmlns:r="http://schemas.openxmlformats.org/officeDocument/2006/relationships" xmlns:p="http://schemas.openxmlformats.org/presentationml/2006/main">
+  <p:cSld>
+    <p:spTree>
+      <p:nvGrpSpPr>
+        <p:cNvPr id="1" name=""/>
+        <p:cNvGrpSpPr/>
+        <p:nvPr/>
+      </p:nvGrpSpPr>
+      <p:grpSpPr>
+        <a:xfrm>
+          <a:off x="0" y="0"/>
+          <a:ext cx="0" cy="0"/>
+          <a:chOff x="0" y="0"/>
+          <a:chExt cx="0" cy="0"/>
+        </a:xfrm>
+      </p:grpSpPr>
+      <p:sp>
+        <p:nvSpPr>
+          <p:cNvPr id="2" name="标题 1">
+            <a:extLst>
+              <a:ext uri="{FF2B5EF4-FFF2-40B4-BE49-F238E27FC236}">
+                <a16:creationId xmlns:a16="http://schemas.microsoft.com/office/drawing/2014/main" id="{C62BFB49-441B-5B47-B3AE-D387D19E79D1}"/>
+              </a:ext>
+            </a:extLst>
+          </p:cNvPr>
+          <p:cNvSpPr>
+            <a:spLocks noGrp="1"/>
+          </p:cNvSpPr>
+          <p:nvPr>
+            <p:ph type="title"/>
+          </p:nvPr>
+        </p:nvSpPr>
+        <p:spPr/>
+        <p:txBody>
+          <a:bodyPr/>
+          <a:lstStyle/>
+          <a:p>
+            <a:r>
+              <a:rPr kumimoji="1" lang="zh-CN" altLang="en-US" dirty="0"/>
+              <a:t>技术路线</a:t>
+            </a:r>
+            <a:r>
+              <a:rPr kumimoji="1" lang="en-US" altLang="zh-CN" dirty="0"/>
+              <a:t>——</a:t>
+            </a:r>
+            <a:r>
+              <a:rPr kumimoji="1" lang="zh-CN" altLang="en-US" dirty="0"/>
+              <a:t>性能部分</a:t>
+            </a:r>
+          </a:p>
+        </p:txBody>
+      </p:sp>
+      <p:sp>
+        <p:nvSpPr>
+          <p:cNvPr id="3" name="内容占位符 2">
+            <a:extLst>
+              <a:ext uri="{FF2B5EF4-FFF2-40B4-BE49-F238E27FC236}">
+                <a16:creationId xmlns:a16="http://schemas.microsoft.com/office/drawing/2014/main" id="{0319CC14-6A9F-AB47-886E-C570F2C7141B}"/>
+              </a:ext>
+            </a:extLst>
+          </p:cNvPr>
+          <p:cNvSpPr>
+            <a:spLocks noGrp="1"/>
+          </p:cNvSpPr>
+          <p:nvPr>
+            <p:ph idx="1"/>
+          </p:nvPr>
+        </p:nvSpPr>
+        <p:spPr>
+          <a:xfrm>
+            <a:off x="677334" y="1555667"/>
+            <a:ext cx="8596668" cy="4485695"/>
+          </a:xfrm>
+        </p:spPr>
+        <p:txBody>
+          <a:bodyPr>
+            <a:normAutofit/>
+          </a:bodyPr>
+          <a:lstStyle/>
+          <a:p>
+            <a:pPr marL="0" indent="457200">
+              <a:lnSpc>
+                <a:spcPct val="150000"/>
+              </a:lnSpc>
+              <a:buNone/>
+            </a:pPr>
+            <a:r>
+              <a:rPr lang="zh-CN" altLang="en-US" dirty="0"/>
+              <a:t>通过给不同的</a:t>
+            </a:r>
+            <a:r>
+              <a:rPr lang="en-US" altLang="zh-CN" dirty="0" err="1"/>
+              <a:t>url</a:t>
+            </a:r>
+            <a:r>
+              <a:rPr lang="zh-CN" altLang="en-US" dirty="0"/>
+              <a:t>不同的配置信息或其他优化手段，让爬虫在优化过的</a:t>
+            </a:r>
+            <a:r>
+              <a:rPr lang="en-US" altLang="zh-CN" dirty="0" err="1"/>
+              <a:t>url</a:t>
+            </a:r>
+            <a:r>
+              <a:rPr lang="zh-CN" altLang="en-US" dirty="0"/>
+              <a:t>上有更好的性能指标。</a:t>
+            </a:r>
+            <a:endParaRPr lang="en-US" altLang="zh-CN" dirty="0"/>
+          </a:p>
+          <a:p>
+            <a:pPr marL="0" indent="457200">
+              <a:lnSpc>
+                <a:spcPct val="150000"/>
+              </a:lnSpc>
+              <a:buNone/>
+            </a:pPr>
+            <a:r>
+              <a:rPr lang="zh-CN" altLang="en-US" dirty="0"/>
+              <a:t>用</a:t>
+            </a:r>
+            <a:r>
+              <a:rPr lang="en-US" altLang="zh-CN" dirty="0" err="1"/>
+              <a:t>BloomFilter</a:t>
+            </a:r>
+            <a:r>
+              <a:rPr lang="zh-CN" altLang="en-US" dirty="0"/>
+              <a:t>结合</a:t>
+            </a:r>
+            <a:r>
+              <a:rPr lang="en-US" altLang="zh-CN" dirty="0"/>
+              <a:t>Redis</a:t>
+            </a:r>
+            <a:r>
+              <a:rPr lang="zh-CN" altLang="en-US" dirty="0"/>
+              <a:t>优化</a:t>
+            </a:r>
+            <a:r>
+              <a:rPr lang="en-US" altLang="zh-CN" dirty="0"/>
+              <a:t>Scrapy</a:t>
+            </a:r>
+            <a:r>
+              <a:rPr lang="zh-CN" altLang="en-US" dirty="0"/>
+              <a:t>自带的</a:t>
+            </a:r>
+            <a:r>
+              <a:rPr lang="en-US" altLang="zh-CN" dirty="0"/>
+              <a:t>Set</a:t>
+            </a:r>
+            <a:r>
+              <a:rPr lang="zh-CN" altLang="en-US" dirty="0"/>
+              <a:t>去重。</a:t>
+            </a:r>
+          </a:p>
+        </p:txBody>
+      </p:sp>
+    </p:spTree>
+    <p:extLst>
+      <p:ext uri="{BB962C8B-B14F-4D97-AF65-F5344CB8AC3E}">
+        <p14:creationId xmlns:p14="http://schemas.microsoft.com/office/powerpoint/2010/main" val="2653039942"/>
+      </p:ext>
+    </p:extLst>
+  </p:cSld>
+  <p:clrMapOvr>
+    <a:masterClrMapping/>
+  </p:clrMapOvr>
+</p:sld>
+</file>
+
+<file path=ppt/slides/slide12.xml><?xml version="1.0" encoding="utf-8"?>
+<p:sld xmlns:a="http://schemas.openxmlformats.org/drawingml/2006/main" xmlns:r="http://schemas.openxmlformats.org/officeDocument/2006/relationships" xmlns:p="http://schemas.openxmlformats.org/presentationml/2006/main">
+  <p:cSld>
+    <p:spTree>
+      <p:nvGrpSpPr>
+        <p:cNvPr id="1" name=""/>
+        <p:cNvGrpSpPr/>
+        <p:nvPr/>
+      </p:nvGrpSpPr>
+      <p:grpSpPr>
+        <a:xfrm>
+          <a:off x="0" y="0"/>
+          <a:ext cx="0" cy="0"/>
+          <a:chOff x="0" y="0"/>
+          <a:chExt cx="0" cy="0"/>
+        </a:xfrm>
+      </p:grpSpPr>
+      <p:sp>
+        <p:nvSpPr>
+          <p:cNvPr id="2" name="标题 1">
+            <a:extLst>
+              <a:ext uri="{FF2B5EF4-FFF2-40B4-BE49-F238E27FC236}">
+                <a16:creationId xmlns:a16="http://schemas.microsoft.com/office/drawing/2014/main" id="{C62BFB49-441B-5B47-B3AE-D387D19E79D1}"/>
+              </a:ext>
+            </a:extLst>
+          </p:cNvPr>
+          <p:cNvSpPr>
+            <a:spLocks noGrp="1"/>
+          </p:cNvSpPr>
+          <p:nvPr>
+            <p:ph type="title"/>
+          </p:nvPr>
+        </p:nvSpPr>
+        <p:spPr>
+          <a:xfrm>
+            <a:off x="677334" y="609600"/>
+            <a:ext cx="8596668" cy="1320800"/>
+          </a:xfrm>
+        </p:spPr>
+        <p:txBody>
+          <a:bodyPr/>
+          <a:lstStyle/>
+          <a:p>
+            <a:r>
+              <a:rPr kumimoji="1" lang="zh-CN" altLang="en-US" dirty="0"/>
+              <a:t>项目组织分工</a:t>
+            </a:r>
+          </a:p>
+        </p:txBody>
+      </p:sp>
+      <p:pic>
+        <p:nvPicPr>
+          <p:cNvPr id="12" name="图片 11">
+            <a:extLst>
+              <a:ext uri="{FF2B5EF4-FFF2-40B4-BE49-F238E27FC236}">
+                <a16:creationId xmlns:a16="http://schemas.microsoft.com/office/drawing/2014/main" id="{F8E8471C-8891-455F-948A-106A441FFB84}"/>
+              </a:ext>
+            </a:extLst>
+          </p:cNvPr>
+          <p:cNvPicPr>
+            <a:picLocks noChangeAspect="1"/>
+          </p:cNvPicPr>
+          <p:nvPr/>
+        </p:nvPicPr>
+        <p:blipFill>
+          <a:blip r:embed="rId2"/>
+          <a:stretch>
+            <a:fillRect/>
+          </a:stretch>
+        </p:blipFill>
+        <p:spPr>
+          <a:xfrm>
+            <a:off x="6096000" y="1819923"/>
+            <a:ext cx="5487537" cy="3633070"/>
+          </a:xfrm>
+          <a:prstGeom prst="rect">
+            <a:avLst/>
+          </a:prstGeom>
+        </p:spPr>
+      </p:pic>
+      <p:pic>
+        <p:nvPicPr>
+          <p:cNvPr id="14" name="图片 13">
+            <a:extLst>
+              <a:ext uri="{FF2B5EF4-FFF2-40B4-BE49-F238E27FC236}">
+                <a16:creationId xmlns:a16="http://schemas.microsoft.com/office/drawing/2014/main" id="{5C60A590-9FDB-4E86-8E76-8510BFAB8044}"/>
+              </a:ext>
+            </a:extLst>
+          </p:cNvPr>
+          <p:cNvPicPr>
+            <a:picLocks noChangeAspect="1"/>
+          </p:cNvPicPr>
+          <p:nvPr/>
+        </p:nvPicPr>
+        <p:blipFill>
+          <a:blip r:embed="rId3"/>
+          <a:stretch>
+            <a:fillRect/>
+          </a:stretch>
+        </p:blipFill>
+        <p:spPr>
+          <a:xfrm>
+            <a:off x="608463" y="1819923"/>
+            <a:ext cx="4976291" cy="3947502"/>
+          </a:xfrm>
+          <a:prstGeom prst="rect">
+            <a:avLst/>
+          </a:prstGeom>
+        </p:spPr>
+      </p:pic>
+    </p:spTree>
+    <p:extLst>
+      <p:ext uri="{BB962C8B-B14F-4D97-AF65-F5344CB8AC3E}">
+        <p14:creationId xmlns:p14="http://schemas.microsoft.com/office/powerpoint/2010/main" val="1157275252"/>
+      </p:ext>
+    </p:extLst>
+  </p:cSld>
+  <p:clrMapOvr>
+    <a:masterClrMapping/>
+  </p:clrMapOvr>
+</p:sld>
+</file>
+
+<file path=ppt/slides/slide13.xml><?xml version="1.0" encoding="utf-8"?>
+<p:sld xmlns:a="http://schemas.openxmlformats.org/drawingml/2006/main" xmlns:r="http://schemas.openxmlformats.org/officeDocument/2006/relationships" xmlns:p="http://schemas.openxmlformats.org/presentationml/2006/main">
+  <p:cSld>
+    <p:spTree>
+      <p:nvGrpSpPr>
+        <p:cNvPr id="1" name=""/>
+        <p:cNvGrpSpPr/>
+        <p:nvPr/>
+      </p:nvGrpSpPr>
+      <p:grpSpPr>
+        <a:xfrm>
+          <a:off x="0" y="0"/>
+          <a:ext cx="0" cy="0"/>
+          <a:chOff x="0" y="0"/>
+          <a:chExt cx="0" cy="0"/>
+        </a:xfrm>
+      </p:grpSpPr>
+      <p:sp>
+        <p:nvSpPr>
+          <p:cNvPr id="2" name="标题 1">
+            <a:extLst>
+              <a:ext uri="{FF2B5EF4-FFF2-40B4-BE49-F238E27FC236}">
+                <a16:creationId xmlns:a16="http://schemas.microsoft.com/office/drawing/2014/main" id="{C62BFB49-441B-5B47-B3AE-D387D19E79D1}"/>
+              </a:ext>
+            </a:extLst>
+          </p:cNvPr>
+          <p:cNvSpPr>
+            <a:spLocks noGrp="1"/>
+          </p:cNvSpPr>
+          <p:nvPr>
+            <p:ph type="title"/>
+          </p:nvPr>
+        </p:nvSpPr>
+        <p:spPr/>
+        <p:txBody>
+          <a:bodyPr/>
+          <a:lstStyle/>
+          <a:p>
+            <a:r>
+              <a:rPr kumimoji="1" lang="zh-CN" altLang="en-US" dirty="0"/>
               <a:t>贡献度评估公式</a:t>
             </a:r>
           </a:p>
@@ -5929,7 +6462,7 @@
                 </a:r>
                 <a:r>
                   <a:rPr kumimoji="1" lang="zh-CN" altLang="en-US" sz="2000" dirty="0"/>
-                  <a:t>的贡献值（不给本人打分），最终每个组员的贡献值由其他所有组员对其打分的平均值求得。</a:t>
+                  <a:t>的贡献值（不参与本人打分），最终每个组员的贡献值由其他所有组员对其打分的平均值求得。</a:t>
                 </a:r>
                 <a:endParaRPr kumimoji="1" lang="en-US" altLang="zh-CN" sz="2000" dirty="0"/>
               </a:p>
@@ -5947,25 +6480,35 @@
                     </m:oMathParaPr>
                     <m:oMath xmlns:m="http://schemas.openxmlformats.org/officeDocument/2006/math">
                       <m:r>
-                        <a:rPr lang="en-US" altLang="zh-CN" i="1"/>
+                        <a:rPr lang="en-US" altLang="zh-CN" i="1">
+                          <a:latin typeface="Cambria Math" panose="02040503050406030204" pitchFamily="18" charset="0"/>
+                        </a:rPr>
                         <m:t>𝑠𝑐𝑜𝑟𝑒</m:t>
                       </m:r>
                       <m:r>
-                        <a:rPr lang="en-US" altLang="zh-CN" i="1"/>
+                        <a:rPr lang="en-US" altLang="zh-CN" i="1">
+                          <a:latin typeface="Cambria Math" panose="02040503050406030204" pitchFamily="18" charset="0"/>
+                        </a:rPr>
                         <m:t>_</m:t>
                       </m:r>
                       <m:r>
-                        <a:rPr lang="en-US" altLang="zh-CN" i="1"/>
+                        <a:rPr lang="en-US" altLang="zh-CN" i="1">
+                          <a:latin typeface="Cambria Math" panose="02040503050406030204" pitchFamily="18" charset="0"/>
+                        </a:rPr>
                         <m:t>𝑗</m:t>
                       </m:r>
                       <m:r>
-                        <a:rPr lang="en-US" altLang="zh-CN" i="1"/>
+                        <a:rPr lang="en-US" altLang="zh-CN" i="1">
+                          <a:latin typeface="Cambria Math" panose="02040503050406030204" pitchFamily="18" charset="0"/>
+                        </a:rPr>
                         <m:t>=</m:t>
                       </m:r>
                       <m:f>
                         <m:fPr>
                           <m:ctrlPr>
-                            <a:rPr lang="zh-CN" altLang="zh-CN" i="1"/>
+                            <a:rPr lang="zh-CN" altLang="zh-CN" i="1">
+                              <a:latin typeface="Cambria Math" panose="02040503050406030204" pitchFamily="18" charset="0"/>
+                            </a:rPr>
                           </m:ctrlPr>
                         </m:fPr>
                         <m:num>
@@ -5974,60 +6517,86 @@
                               <m:chr m:val="∑"/>
                               <m:limLoc m:val="undOvr"/>
                               <m:ctrlPr>
-                                <a:rPr lang="zh-CN" altLang="zh-CN" i="1"/>
+                                <a:rPr lang="zh-CN" altLang="zh-CN" i="1">
+                                  <a:latin typeface="Cambria Math" panose="02040503050406030204" pitchFamily="18" charset="0"/>
+                                </a:rPr>
                               </m:ctrlPr>
                             </m:naryPr>
                             <m:sub>
                               <m:r>
-                                <a:rPr lang="en-US" altLang="zh-CN" i="1"/>
+                                <a:rPr lang="en-US" altLang="zh-CN" i="1">
+                                  <a:latin typeface="Cambria Math" panose="02040503050406030204" pitchFamily="18" charset="0"/>
+                                </a:rPr>
                                 <m:t>𝑖</m:t>
                               </m:r>
                               <m:r>
-                                <a:rPr lang="en-US" altLang="zh-CN" i="1"/>
+                                <a:rPr lang="en-US" altLang="zh-CN" i="1">
+                                  <a:latin typeface="Cambria Math" panose="02040503050406030204" pitchFamily="18" charset="0"/>
+                                </a:rPr>
                                 <m:t>=1,</m:t>
                               </m:r>
                               <m:r>
-                                <a:rPr lang="en-US" altLang="zh-CN" i="1"/>
+                                <a:rPr lang="en-US" altLang="zh-CN" i="1">
+                                  <a:latin typeface="Cambria Math" panose="02040503050406030204" pitchFamily="18" charset="0"/>
+                                </a:rPr>
                                 <m:t>𝑖</m:t>
                               </m:r>
                               <m:r>
-                                <a:rPr lang="en-US" altLang="zh-CN" i="1"/>
+                                <a:rPr lang="en-US" altLang="zh-CN" i="1">
+                                  <a:latin typeface="Cambria Math" panose="02040503050406030204" pitchFamily="18" charset="0"/>
+                                </a:rPr>
                                 <m:t>≠</m:t>
                               </m:r>
                               <m:r>
-                                <a:rPr lang="en-US" altLang="zh-CN" i="1"/>
+                                <a:rPr lang="en-US" altLang="zh-CN" i="1">
+                                  <a:latin typeface="Cambria Math" panose="02040503050406030204" pitchFamily="18" charset="0"/>
+                                </a:rPr>
                                 <m:t>𝑗</m:t>
                               </m:r>
                             </m:sub>
                             <m:sup>
                               <m:r>
-                                <a:rPr lang="en-US" altLang="zh-CN" i="1"/>
+                                <a:rPr lang="en-US" altLang="zh-CN" i="1">
+                                  <a:latin typeface="Cambria Math" panose="02040503050406030204" pitchFamily="18" charset="0"/>
+                                </a:rPr>
                                 <m:t>6</m:t>
                               </m:r>
                             </m:sup>
                             <m:e>
                               <m:r>
-                                <a:rPr lang="en-US" altLang="zh-CN" i="1"/>
+                                <a:rPr lang="en-US" altLang="zh-CN" i="1">
+                                  <a:latin typeface="Cambria Math" panose="02040503050406030204" pitchFamily="18" charset="0"/>
+                                </a:rPr>
                                 <m:t>𝑠𝑐𝑜𝑟𝑒</m:t>
                               </m:r>
                               <m:r>
-                                <a:rPr lang="en-US" altLang="zh-CN" i="1"/>
+                                <a:rPr lang="en-US" altLang="zh-CN" i="1">
+                                  <a:latin typeface="Cambria Math" panose="02040503050406030204" pitchFamily="18" charset="0"/>
+                                </a:rPr>
                                 <m:t>(</m:t>
                               </m:r>
                               <m:r>
-                                <a:rPr lang="en-US" altLang="zh-CN" i="1"/>
+                                <a:rPr lang="en-US" altLang="zh-CN" i="1">
+                                  <a:latin typeface="Cambria Math" panose="02040503050406030204" pitchFamily="18" charset="0"/>
+                                </a:rPr>
                                 <m:t>𝑖</m:t>
                               </m:r>
                               <m:r>
-                                <a:rPr lang="en-US" altLang="zh-CN" i="1"/>
+                                <a:rPr lang="en-US" altLang="zh-CN" i="1">
+                                  <a:latin typeface="Cambria Math" panose="02040503050406030204" pitchFamily="18" charset="0"/>
+                                </a:rPr>
                                 <m:t>,</m:t>
                               </m:r>
                               <m:r>
-                                <a:rPr lang="en-US" altLang="zh-CN" i="1"/>
+                                <a:rPr lang="en-US" altLang="zh-CN" i="1">
+                                  <a:latin typeface="Cambria Math" panose="02040503050406030204" pitchFamily="18" charset="0"/>
+                                </a:rPr>
                                 <m:t>𝑗</m:t>
                               </m:r>
                               <m:r>
-                                <a:rPr lang="en-US" altLang="zh-CN" i="1"/>
+                                <a:rPr lang="en-US" altLang="zh-CN" i="1">
+                                  <a:latin typeface="Cambria Math" panose="02040503050406030204" pitchFamily="18" charset="0"/>
+                                </a:rPr>
                                 <m:t>)</m:t>
                               </m:r>
                             </m:e>
@@ -6039,22 +6608,30 @@
                               <m:chr m:val="∑"/>
                               <m:limLoc m:val="undOvr"/>
                               <m:ctrlPr>
-                                <a:rPr lang="zh-CN" altLang="zh-CN" i="1"/>
+                                <a:rPr lang="zh-CN" altLang="zh-CN" i="1">
+                                  <a:latin typeface="Cambria Math" panose="02040503050406030204" pitchFamily="18" charset="0"/>
+                                </a:rPr>
                               </m:ctrlPr>
                             </m:naryPr>
                             <m:sub>
                               <m:r>
-                                <a:rPr lang="en-US" altLang="zh-CN" i="1"/>
+                                <a:rPr lang="en-US" altLang="zh-CN" i="1">
+                                  <a:latin typeface="Cambria Math" panose="02040503050406030204" pitchFamily="18" charset="0"/>
+                                </a:rPr>
                                 <m:t>𝑗</m:t>
                               </m:r>
                               <m:r>
-                                <a:rPr lang="en-US" altLang="zh-CN" i="1"/>
+                                <a:rPr lang="en-US" altLang="zh-CN" i="1">
+                                  <a:latin typeface="Cambria Math" panose="02040503050406030204" pitchFamily="18" charset="0"/>
+                                </a:rPr>
                                 <m:t>=1</m:t>
                               </m:r>
                             </m:sub>
                             <m:sup>
                               <m:r>
-                                <a:rPr lang="en-US" altLang="zh-CN" i="1"/>
+                                <a:rPr lang="en-US" altLang="zh-CN" i="1">
+                                  <a:latin typeface="Cambria Math" panose="02040503050406030204" pitchFamily="18" charset="0"/>
+                                </a:rPr>
                                 <m:t>6</m:t>
                               </m:r>
                             </m:sup>
@@ -6064,60 +6641,86 @@
                                   <m:chr m:val="∑"/>
                                   <m:limLoc m:val="undOvr"/>
                                   <m:ctrlPr>
-                                    <a:rPr lang="zh-CN" altLang="zh-CN" i="1"/>
+                                    <a:rPr lang="zh-CN" altLang="zh-CN" i="1">
+                                      <a:latin typeface="Cambria Math" panose="02040503050406030204" pitchFamily="18" charset="0"/>
+                                    </a:rPr>
                                   </m:ctrlPr>
                                 </m:naryPr>
                                 <m:sub>
                                   <m:r>
-                                    <a:rPr lang="en-US" altLang="zh-CN" i="1"/>
+                                    <a:rPr lang="en-US" altLang="zh-CN" i="1">
+                                      <a:latin typeface="Cambria Math" panose="02040503050406030204" pitchFamily="18" charset="0"/>
+                                    </a:rPr>
                                     <m:t>𝑖</m:t>
                                   </m:r>
                                   <m:r>
-                                    <a:rPr lang="en-US" altLang="zh-CN" i="1"/>
+                                    <a:rPr lang="en-US" altLang="zh-CN" i="1">
+                                      <a:latin typeface="Cambria Math" panose="02040503050406030204" pitchFamily="18" charset="0"/>
+                                    </a:rPr>
                                     <m:t>=1,</m:t>
                                   </m:r>
                                   <m:r>
-                                    <a:rPr lang="en-US" altLang="zh-CN" i="1"/>
+                                    <a:rPr lang="en-US" altLang="zh-CN" i="1">
+                                      <a:latin typeface="Cambria Math" panose="02040503050406030204" pitchFamily="18" charset="0"/>
+                                    </a:rPr>
                                     <m:t>𝑖</m:t>
                                   </m:r>
                                   <m:r>
-                                    <a:rPr lang="en-US" altLang="zh-CN" i="1"/>
+                                    <a:rPr lang="en-US" altLang="zh-CN" i="1">
+                                      <a:latin typeface="Cambria Math" panose="02040503050406030204" pitchFamily="18" charset="0"/>
+                                    </a:rPr>
                                     <m:t>≠</m:t>
                                   </m:r>
                                   <m:r>
-                                    <a:rPr lang="en-US" altLang="zh-CN" i="1"/>
+                                    <a:rPr lang="en-US" altLang="zh-CN" i="1">
+                                      <a:latin typeface="Cambria Math" panose="02040503050406030204" pitchFamily="18" charset="0"/>
+                                    </a:rPr>
                                     <m:t>𝑗</m:t>
                                   </m:r>
                                 </m:sub>
                                 <m:sup>
                                   <m:r>
-                                    <a:rPr lang="en-US" altLang="zh-CN" i="1"/>
+                                    <a:rPr lang="en-US" altLang="zh-CN" i="1">
+                                      <a:latin typeface="Cambria Math" panose="02040503050406030204" pitchFamily="18" charset="0"/>
+                                    </a:rPr>
                                     <m:t>6</m:t>
                                   </m:r>
                                 </m:sup>
                                 <m:e>
                                   <m:r>
-                                    <a:rPr lang="en-US" altLang="zh-CN" i="1"/>
+                                    <a:rPr lang="en-US" altLang="zh-CN" i="1">
+                                      <a:latin typeface="Cambria Math" panose="02040503050406030204" pitchFamily="18" charset="0"/>
+                                    </a:rPr>
                                     <m:t>𝑠𝑐𝑜𝑟𝑒</m:t>
                                   </m:r>
                                   <m:r>
-                                    <a:rPr lang="en-US" altLang="zh-CN" i="1"/>
+                                    <a:rPr lang="en-US" altLang="zh-CN" i="1">
+                                      <a:latin typeface="Cambria Math" panose="02040503050406030204" pitchFamily="18" charset="0"/>
+                                    </a:rPr>
                                     <m:t>(</m:t>
                                   </m:r>
                                   <m:r>
-                                    <a:rPr lang="en-US" altLang="zh-CN" i="1"/>
+                                    <a:rPr lang="en-US" altLang="zh-CN" i="1">
+                                      <a:latin typeface="Cambria Math" panose="02040503050406030204" pitchFamily="18" charset="0"/>
+                                    </a:rPr>
                                     <m:t>𝑖</m:t>
                                   </m:r>
                                   <m:r>
-                                    <a:rPr lang="en-US" altLang="zh-CN" i="1"/>
+                                    <a:rPr lang="en-US" altLang="zh-CN" i="1">
+                                      <a:latin typeface="Cambria Math" panose="02040503050406030204" pitchFamily="18" charset="0"/>
+                                    </a:rPr>
                                     <m:t>,</m:t>
                                   </m:r>
                                   <m:r>
-                                    <a:rPr lang="en-US" altLang="zh-CN" i="1"/>
+                                    <a:rPr lang="en-US" altLang="zh-CN" i="1">
+                                      <a:latin typeface="Cambria Math" panose="02040503050406030204" pitchFamily="18" charset="0"/>
+                                    </a:rPr>
                                     <m:t>𝑗</m:t>
                                   </m:r>
                                   <m:r>
-                                    <a:rPr lang="en-US" altLang="zh-CN" i="1"/>
+                                    <a:rPr lang="en-US" altLang="zh-CN" i="1">
+                                      <a:latin typeface="Cambria Math" panose="02040503050406030204" pitchFamily="18" charset="0"/>
+                                    </a:rPr>
                                     <m:t>)</m:t>
                                   </m:r>
                                 </m:e>
@@ -6200,1776 +6803,7 @@
 </p:sld>
 </file>
 
-<file path=ppt/slides/slide11.xml><?xml version="1.0" encoding="utf-8"?>
-<p:sld xmlns:a="http://schemas.openxmlformats.org/drawingml/2006/main" xmlns:r="http://schemas.openxmlformats.org/officeDocument/2006/relationships" xmlns:p="http://schemas.openxmlformats.org/presentationml/2006/main">
-  <p:cSld>
-    <p:spTree>
-      <p:nvGrpSpPr>
-        <p:cNvPr id="1" name=""/>
-        <p:cNvGrpSpPr/>
-        <p:nvPr/>
-      </p:nvGrpSpPr>
-      <p:grpSpPr>
-        <a:xfrm>
-          <a:off x="0" y="0"/>
-          <a:ext cx="0" cy="0"/>
-          <a:chOff x="0" y="0"/>
-          <a:chExt cx="0" cy="0"/>
-        </a:xfrm>
-      </p:grpSpPr>
-      <p:sp>
-        <p:nvSpPr>
-          <p:cNvPr id="2" name="标题 1">
-            <a:extLst>
-              <a:ext uri="{FF2B5EF4-FFF2-40B4-BE49-F238E27FC236}">
-                <a16:creationId xmlns:a16="http://schemas.microsoft.com/office/drawing/2014/main" id="{E1D08681-0B12-8441-A555-4034C2531A59}"/>
-              </a:ext>
-            </a:extLst>
-          </p:cNvPr>
-          <p:cNvSpPr>
-            <a:spLocks noGrp="1"/>
-          </p:cNvSpPr>
-          <p:nvPr>
-            <p:ph type="title"/>
-          </p:nvPr>
-        </p:nvSpPr>
-        <p:spPr>
-          <a:xfrm>
-            <a:off x="2494258" y="2830286"/>
-            <a:ext cx="4892194" cy="1076696"/>
-          </a:xfrm>
-        </p:spPr>
-        <p:txBody>
-          <a:bodyPr>
-            <a:noAutofit/>
-          </a:bodyPr>
-          <a:lstStyle/>
-          <a:p>
-            <a:r>
-              <a:rPr kumimoji="1" lang="zh-CN" altLang="en-US" sz="6000" dirty="0"/>
-              <a:t>谢  谢  观  赏</a:t>
-            </a:r>
-          </a:p>
-        </p:txBody>
-      </p:sp>
-    </p:spTree>
-    <p:extLst>
-      <p:ext uri="{BB962C8B-B14F-4D97-AF65-F5344CB8AC3E}">
-        <p14:creationId xmlns:p14="http://schemas.microsoft.com/office/powerpoint/2010/main" val="1546411002"/>
-      </p:ext>
-    </p:extLst>
-  </p:cSld>
-  <p:clrMapOvr>
-    <a:masterClrMapping/>
-  </p:clrMapOvr>
-</p:sld>
-</file>
-
-<file path=ppt/slides/slide2.xml><?xml version="1.0" encoding="utf-8"?>
-<p:sld xmlns:a="http://schemas.openxmlformats.org/drawingml/2006/main" xmlns:r="http://schemas.openxmlformats.org/officeDocument/2006/relationships" xmlns:p="http://schemas.openxmlformats.org/presentationml/2006/main">
-  <p:cSld>
-    <p:spTree>
-      <p:nvGrpSpPr>
-        <p:cNvPr id="1" name=""/>
-        <p:cNvGrpSpPr/>
-        <p:nvPr/>
-      </p:nvGrpSpPr>
-      <p:grpSpPr>
-        <a:xfrm>
-          <a:off x="0" y="0"/>
-          <a:ext cx="0" cy="0"/>
-          <a:chOff x="0" y="0"/>
-          <a:chExt cx="0" cy="0"/>
-        </a:xfrm>
-      </p:grpSpPr>
-      <p:sp>
-        <p:nvSpPr>
-          <p:cNvPr id="2" name="标题 1">
-            <a:extLst>
-              <a:ext uri="{FF2B5EF4-FFF2-40B4-BE49-F238E27FC236}">
-                <a16:creationId xmlns:a16="http://schemas.microsoft.com/office/drawing/2014/main" id="{F7F58347-C9BA-7147-8BAC-3931B032B65A}"/>
-              </a:ext>
-            </a:extLst>
-          </p:cNvPr>
-          <p:cNvSpPr>
-            <a:spLocks noGrp="1"/>
-          </p:cNvSpPr>
-          <p:nvPr>
-            <p:ph type="title"/>
-          </p:nvPr>
-        </p:nvSpPr>
-        <p:spPr/>
-        <p:txBody>
-          <a:bodyPr>
-            <a:normAutofit/>
-          </a:bodyPr>
-          <a:lstStyle/>
-          <a:p>
-            <a:r>
-              <a:rPr kumimoji="1" lang="zh-CN" altLang="en-US" sz="5400" dirty="0">
-                <a:latin typeface="DengXian" panose="02010600030101010101" pitchFamily="2" charset="-122"/>
-                <a:ea typeface="DengXian" panose="02010600030101010101" pitchFamily="2" charset="-122"/>
-              </a:rPr>
-              <a:t>目录</a:t>
-            </a:r>
-          </a:p>
-        </p:txBody>
-      </p:sp>
-      <p:sp>
-        <p:nvSpPr>
-          <p:cNvPr id="3" name="内容占位符 2">
-            <a:extLst>
-              <a:ext uri="{FF2B5EF4-FFF2-40B4-BE49-F238E27FC236}">
-                <a16:creationId xmlns:a16="http://schemas.microsoft.com/office/drawing/2014/main" id="{DDCAF7C1-67C2-4042-A65A-769DD49E0D46}"/>
-              </a:ext>
-            </a:extLst>
-          </p:cNvPr>
-          <p:cNvSpPr>
-            <a:spLocks noGrp="1"/>
-          </p:cNvSpPr>
-          <p:nvPr>
-            <p:ph idx="1"/>
-          </p:nvPr>
-        </p:nvSpPr>
-        <p:spPr>
-          <a:xfrm>
-            <a:off x="677334" y="1848355"/>
-            <a:ext cx="8596668" cy="3880773"/>
-          </a:xfrm>
-        </p:spPr>
-        <p:txBody>
-          <a:bodyPr>
-            <a:normAutofit/>
-          </a:bodyPr>
-          <a:lstStyle/>
-          <a:p>
-            <a:pPr>
-              <a:lnSpc>
-                <a:spcPct val="200000"/>
-              </a:lnSpc>
-            </a:pPr>
-            <a:r>
-              <a:rPr kumimoji="1" lang="zh-CN" altLang="en-US" sz="2800" dirty="0">
-                <a:latin typeface="DengXian" panose="02010600030101010101" pitchFamily="2" charset="-122"/>
-                <a:ea typeface="DengXian" panose="02010600030101010101" pitchFamily="2" charset="-122"/>
-              </a:rPr>
-              <a:t>项目目标</a:t>
-            </a:r>
-            <a:endParaRPr kumimoji="1" lang="en-US" altLang="zh-CN" sz="2800" dirty="0">
-              <a:latin typeface="DengXian" panose="02010600030101010101" pitchFamily="2" charset="-122"/>
-              <a:ea typeface="DengXian" panose="02010600030101010101" pitchFamily="2" charset="-122"/>
-            </a:endParaRPr>
-          </a:p>
-          <a:p>
-            <a:pPr>
-              <a:lnSpc>
-                <a:spcPct val="200000"/>
-              </a:lnSpc>
-            </a:pPr>
-            <a:r>
-              <a:rPr kumimoji="1" lang="zh-CN" altLang="en-US" sz="2800" dirty="0">
-                <a:latin typeface="DengXian" panose="02010600030101010101" pitchFamily="2" charset="-122"/>
-                <a:ea typeface="DengXian" panose="02010600030101010101" pitchFamily="2" charset="-122"/>
-              </a:rPr>
-              <a:t>项目组织分工</a:t>
-            </a:r>
-            <a:endParaRPr kumimoji="1" lang="en-US" altLang="zh-CN" sz="2800" dirty="0">
-              <a:latin typeface="DengXian" panose="02010600030101010101" pitchFamily="2" charset="-122"/>
-              <a:ea typeface="DengXian" panose="02010600030101010101" pitchFamily="2" charset="-122"/>
-            </a:endParaRPr>
-          </a:p>
-          <a:p>
-            <a:pPr>
-              <a:lnSpc>
-                <a:spcPct val="200000"/>
-              </a:lnSpc>
-            </a:pPr>
-            <a:r>
-              <a:rPr kumimoji="1" lang="zh-CN" altLang="en-US" sz="2800" dirty="0">
-                <a:latin typeface="DengXian" panose="02010600030101010101" pitchFamily="2" charset="-122"/>
-                <a:ea typeface="DengXian" panose="02010600030101010101" pitchFamily="2" charset="-122"/>
-              </a:rPr>
-              <a:t>协作与沟通</a:t>
-            </a:r>
-            <a:endParaRPr kumimoji="1" lang="en-US" altLang="zh-CN" sz="2800" dirty="0">
-              <a:latin typeface="DengXian" panose="02010600030101010101" pitchFamily="2" charset="-122"/>
-              <a:ea typeface="DengXian" panose="02010600030101010101" pitchFamily="2" charset="-122"/>
-            </a:endParaRPr>
-          </a:p>
-          <a:p>
-            <a:pPr>
-              <a:lnSpc>
-                <a:spcPct val="200000"/>
-              </a:lnSpc>
-            </a:pPr>
-            <a:r>
-              <a:rPr kumimoji="1" lang="zh-CN" altLang="en-US" sz="2800" dirty="0">
-                <a:latin typeface="DengXian" panose="02010600030101010101" pitchFamily="2" charset="-122"/>
-                <a:ea typeface="DengXian" panose="02010600030101010101" pitchFamily="2" charset="-122"/>
-              </a:rPr>
-              <a:t>贡献值分配</a:t>
-            </a:r>
-          </a:p>
-        </p:txBody>
-      </p:sp>
-    </p:spTree>
-    <p:extLst>
-      <p:ext uri="{BB962C8B-B14F-4D97-AF65-F5344CB8AC3E}">
-        <p14:creationId xmlns:p14="http://schemas.microsoft.com/office/powerpoint/2010/main" val="4189275556"/>
-      </p:ext>
-    </p:extLst>
-  </p:cSld>
-  <p:clrMapOvr>
-    <a:masterClrMapping/>
-  </p:clrMapOvr>
-</p:sld>
-</file>
-
-<file path=ppt/slides/slide3.xml><?xml version="1.0" encoding="utf-8"?>
-<p:sld xmlns:a="http://schemas.openxmlformats.org/drawingml/2006/main" xmlns:r="http://schemas.openxmlformats.org/officeDocument/2006/relationships" xmlns:p="http://schemas.openxmlformats.org/presentationml/2006/main">
-  <p:cSld>
-    <p:spTree>
-      <p:nvGrpSpPr>
-        <p:cNvPr id="1" name=""/>
-        <p:cNvGrpSpPr/>
-        <p:nvPr/>
-      </p:nvGrpSpPr>
-      <p:grpSpPr>
-        <a:xfrm>
-          <a:off x="0" y="0"/>
-          <a:ext cx="0" cy="0"/>
-          <a:chOff x="0" y="0"/>
-          <a:chExt cx="0" cy="0"/>
-        </a:xfrm>
-      </p:grpSpPr>
-      <p:sp>
-        <p:nvSpPr>
-          <p:cNvPr id="2" name="标题 1">
-            <a:extLst>
-              <a:ext uri="{FF2B5EF4-FFF2-40B4-BE49-F238E27FC236}">
-                <a16:creationId xmlns:a16="http://schemas.microsoft.com/office/drawing/2014/main" id="{C62BFB49-441B-5B47-B3AE-D387D19E79D1}"/>
-              </a:ext>
-            </a:extLst>
-          </p:cNvPr>
-          <p:cNvSpPr>
-            <a:spLocks noGrp="1"/>
-          </p:cNvSpPr>
-          <p:nvPr>
-            <p:ph type="title"/>
-          </p:nvPr>
-        </p:nvSpPr>
-        <p:spPr/>
-        <p:txBody>
-          <a:bodyPr/>
-          <a:lstStyle/>
-          <a:p>
-            <a:r>
-              <a:rPr kumimoji="1" lang="zh-CN" altLang="en-US" dirty="0"/>
-              <a:t>项目目标</a:t>
-            </a:r>
-            <a:r>
-              <a:rPr kumimoji="1" lang="en-US" altLang="zh-CN" dirty="0"/>
-              <a:t>——</a:t>
-            </a:r>
-            <a:r>
-              <a:rPr kumimoji="1" lang="zh-CN" altLang="en-US" dirty="0"/>
-              <a:t>选择</a:t>
-            </a:r>
-            <a:r>
-              <a:rPr kumimoji="1" lang="en-US" altLang="zh-CN" dirty="0" err="1"/>
-              <a:t>Scrapy</a:t>
-            </a:r>
-            <a:r>
-              <a:rPr kumimoji="1" lang="zh-CN" altLang="en-US" dirty="0"/>
-              <a:t>的原因</a:t>
-            </a:r>
-          </a:p>
-        </p:txBody>
-      </p:sp>
-      <p:sp>
-        <p:nvSpPr>
-          <p:cNvPr id="3" name="内容占位符 2">
-            <a:extLst>
-              <a:ext uri="{FF2B5EF4-FFF2-40B4-BE49-F238E27FC236}">
-                <a16:creationId xmlns:a16="http://schemas.microsoft.com/office/drawing/2014/main" id="{0319CC14-6A9F-AB47-886E-C570F2C7141B}"/>
-              </a:ext>
-            </a:extLst>
-          </p:cNvPr>
-          <p:cNvSpPr>
-            <a:spLocks noGrp="1"/>
-          </p:cNvSpPr>
-          <p:nvPr>
-            <p:ph idx="1"/>
-          </p:nvPr>
-        </p:nvSpPr>
-        <p:spPr>
-          <a:xfrm>
-            <a:off x="677334" y="1555667"/>
-            <a:ext cx="8596668" cy="4485695"/>
-          </a:xfrm>
-        </p:spPr>
-        <p:txBody>
-          <a:bodyPr>
-            <a:normAutofit/>
-          </a:bodyPr>
-          <a:lstStyle/>
-          <a:p>
-            <a:r>
-              <a:rPr kumimoji="1" lang="en-US" altLang="zh-CN" sz="2000" dirty="0" err="1"/>
-              <a:t>Scrapy</a:t>
-            </a:r>
-            <a:r>
-              <a:rPr kumimoji="1" lang="zh-CN" altLang="en-US" sz="2000" dirty="0"/>
-              <a:t>使用</a:t>
-            </a:r>
-            <a:r>
-              <a:rPr kumimoji="1" lang="en-US" altLang="zh-CN" sz="2000" dirty="0"/>
-              <a:t>Python</a:t>
-            </a:r>
-            <a:r>
-              <a:rPr kumimoji="1" lang="zh-CN" altLang="en-US" sz="2000" dirty="0"/>
-              <a:t>完成，小组成员更为熟悉；</a:t>
-            </a:r>
-            <a:endParaRPr kumimoji="1" lang="en-US" altLang="zh-CN" sz="2000" dirty="0"/>
-          </a:p>
-          <a:p>
-            <a:r>
-              <a:rPr kumimoji="1" lang="zh-CN" altLang="en-US" sz="2000" dirty="0"/>
-              <a:t>小组成员对</a:t>
-            </a:r>
-            <a:r>
-              <a:rPr kumimoji="1" lang="en-US" altLang="zh-CN" sz="2000" dirty="0" err="1"/>
-              <a:t>Scrapy</a:t>
-            </a:r>
-            <a:r>
-              <a:rPr kumimoji="1" lang="zh-CN" altLang="en-US" sz="2000" dirty="0"/>
-              <a:t>更感兴趣；</a:t>
-            </a:r>
-            <a:endParaRPr kumimoji="1" lang="en-US" altLang="zh-CN" sz="2000" dirty="0"/>
-          </a:p>
-          <a:p>
-            <a:r>
-              <a:rPr kumimoji="1" lang="en-US" altLang="zh-CN" sz="2000" dirty="0" err="1"/>
-              <a:t>Scrapy</a:t>
-            </a:r>
-            <a:r>
-              <a:rPr kumimoji="1" lang="zh-CN" altLang="en-US" sz="2000" dirty="0"/>
-              <a:t>框架规模适中，符合小组成员期望；</a:t>
-            </a:r>
-            <a:endParaRPr kumimoji="1" lang="en-US" altLang="zh-CN" sz="2000" dirty="0"/>
-          </a:p>
-          <a:p>
-            <a:r>
-              <a:rPr kumimoji="1" lang="en-US" altLang="zh-CN" sz="2000" dirty="0" err="1"/>
-              <a:t>Scrapy</a:t>
-            </a:r>
-            <a:r>
-              <a:rPr kumimoji="1" lang="zh-CN" altLang="en-US" sz="2000" dirty="0"/>
-              <a:t>框架具有较为完整的文档和注释；</a:t>
-            </a:r>
-            <a:endParaRPr kumimoji="1" lang="en-US" altLang="zh-CN" sz="2000" dirty="0"/>
-          </a:p>
-          <a:p>
-            <a:r>
-              <a:rPr kumimoji="1" lang="zh-CN" altLang="en-US" sz="2000" dirty="0"/>
-              <a:t>组内成员有</a:t>
-            </a:r>
-            <a:r>
-              <a:rPr kumimoji="1" lang="en-US" altLang="zh-CN" sz="2000" dirty="0" err="1"/>
-              <a:t>Scrapy</a:t>
-            </a:r>
-            <a:r>
-              <a:rPr kumimoji="1" lang="zh-CN" altLang="en-US" sz="2000" dirty="0"/>
-              <a:t>使用经历。</a:t>
-            </a:r>
-          </a:p>
-          <a:p>
-            <a:endParaRPr kumimoji="1" lang="zh-CN" altLang="en-US" sz="2000" dirty="0"/>
-          </a:p>
-        </p:txBody>
-      </p:sp>
-    </p:spTree>
-    <p:extLst>
-      <p:ext uri="{BB962C8B-B14F-4D97-AF65-F5344CB8AC3E}">
-        <p14:creationId xmlns:p14="http://schemas.microsoft.com/office/powerpoint/2010/main" val="1826393879"/>
-      </p:ext>
-    </p:extLst>
-  </p:cSld>
-  <p:clrMapOvr>
-    <a:masterClrMapping/>
-  </p:clrMapOvr>
-</p:sld>
-</file>
-
-<file path=ppt/slides/slide4.xml><?xml version="1.0" encoding="utf-8"?>
-<p:sld xmlns:a="http://schemas.openxmlformats.org/drawingml/2006/main" xmlns:r="http://schemas.openxmlformats.org/officeDocument/2006/relationships" xmlns:p="http://schemas.openxmlformats.org/presentationml/2006/main">
-  <p:cSld>
-    <p:spTree>
-      <p:nvGrpSpPr>
-        <p:cNvPr id="1" name=""/>
-        <p:cNvGrpSpPr/>
-        <p:nvPr/>
-      </p:nvGrpSpPr>
-      <p:grpSpPr>
-        <a:xfrm>
-          <a:off x="0" y="0"/>
-          <a:ext cx="0" cy="0"/>
-          <a:chOff x="0" y="0"/>
-          <a:chExt cx="0" cy="0"/>
-        </a:xfrm>
-      </p:grpSpPr>
-      <p:sp>
-        <p:nvSpPr>
-          <p:cNvPr id="2" name="标题 1">
-            <a:extLst>
-              <a:ext uri="{FF2B5EF4-FFF2-40B4-BE49-F238E27FC236}">
-                <a16:creationId xmlns:a16="http://schemas.microsoft.com/office/drawing/2014/main" id="{C62BFB49-441B-5B47-B3AE-D387D19E79D1}"/>
-              </a:ext>
-            </a:extLst>
-          </p:cNvPr>
-          <p:cNvSpPr>
-            <a:spLocks noGrp="1"/>
-          </p:cNvSpPr>
-          <p:nvPr>
-            <p:ph type="title"/>
-          </p:nvPr>
-        </p:nvSpPr>
-        <p:spPr/>
-        <p:txBody>
-          <a:bodyPr/>
-          <a:lstStyle/>
-          <a:p>
-            <a:r>
-              <a:rPr kumimoji="1" lang="zh-CN" altLang="en-US" dirty="0"/>
-              <a:t>项目目标</a:t>
-            </a:r>
-            <a:r>
-              <a:rPr kumimoji="1" lang="en-US" altLang="zh-CN" dirty="0"/>
-              <a:t>——</a:t>
-            </a:r>
-            <a:r>
-              <a:rPr kumimoji="1" lang="zh-CN" altLang="en-US" dirty="0"/>
-              <a:t>项目内容</a:t>
-            </a:r>
-          </a:p>
-        </p:txBody>
-      </p:sp>
-      <p:sp>
-        <p:nvSpPr>
-          <p:cNvPr id="3" name="内容占位符 2">
-            <a:extLst>
-              <a:ext uri="{FF2B5EF4-FFF2-40B4-BE49-F238E27FC236}">
-                <a16:creationId xmlns:a16="http://schemas.microsoft.com/office/drawing/2014/main" id="{0319CC14-6A9F-AB47-886E-C570F2C7141B}"/>
-              </a:ext>
-            </a:extLst>
-          </p:cNvPr>
-          <p:cNvSpPr>
-            <a:spLocks noGrp="1"/>
-          </p:cNvSpPr>
-          <p:nvPr>
-            <p:ph idx="1"/>
-          </p:nvPr>
-        </p:nvSpPr>
-        <p:spPr>
-          <a:xfrm>
-            <a:off x="677334" y="1555667"/>
-            <a:ext cx="8596668" cy="4485695"/>
-          </a:xfrm>
-        </p:spPr>
-        <p:txBody>
-          <a:bodyPr>
-            <a:normAutofit/>
-          </a:bodyPr>
-          <a:lstStyle/>
-          <a:p>
-            <a:r>
-              <a:rPr kumimoji="1" lang="zh-CN" altLang="en-US" sz="2000" dirty="0"/>
-              <a:t>选择</a:t>
-            </a:r>
-            <a:r>
-              <a:rPr kumimoji="1" lang="en-US" altLang="zh-CN" sz="2000" dirty="0" err="1"/>
-              <a:t>Scrapy</a:t>
-            </a:r>
-            <a:r>
-              <a:rPr kumimoji="1" lang="zh-CN" altLang="en-US" sz="2000" dirty="0"/>
-              <a:t> </a:t>
-            </a:r>
-            <a:r>
-              <a:rPr kumimoji="1" lang="en-US" altLang="zh-CN" sz="2000" dirty="0"/>
-              <a:t>2.0.0</a:t>
-            </a:r>
-            <a:r>
-              <a:rPr kumimoji="1" lang="zh-CN" altLang="en-US" sz="2000" dirty="0"/>
-              <a:t>版本，了解</a:t>
-            </a:r>
-            <a:r>
-              <a:rPr kumimoji="1" lang="en-US" altLang="zh-CN" sz="2000" dirty="0" err="1"/>
-              <a:t>Scrapy</a:t>
-            </a:r>
-            <a:r>
-              <a:rPr kumimoji="1" lang="zh-CN" altLang="en-US" sz="2000" dirty="0"/>
-              <a:t>其框架及内容；</a:t>
-            </a:r>
-            <a:endParaRPr kumimoji="1" lang="en-US" altLang="zh-CN" sz="2000" dirty="0"/>
-          </a:p>
-          <a:p>
-            <a:r>
-              <a:rPr kumimoji="1" lang="zh-CN" altLang="en-US" sz="2000" dirty="0"/>
-              <a:t>根据文档和源码分析</a:t>
-            </a:r>
-            <a:r>
-              <a:rPr kumimoji="1" lang="en-US" altLang="zh-CN" sz="2000" dirty="0" err="1"/>
-              <a:t>Scrapy</a:t>
-            </a:r>
-            <a:r>
-              <a:rPr kumimoji="1" lang="zh-CN" altLang="en-US" sz="2000" dirty="0"/>
-              <a:t>框架的功能、架构及需求；</a:t>
-            </a:r>
-            <a:endParaRPr kumimoji="1" lang="en-US" altLang="zh-CN" sz="2000" dirty="0"/>
-          </a:p>
-          <a:p>
-            <a:r>
-              <a:rPr kumimoji="1" lang="zh-CN" altLang="en-US" sz="2000" dirty="0"/>
-              <a:t>使用 </a:t>
-            </a:r>
-            <a:r>
-              <a:rPr kumimoji="1" lang="en-US" altLang="zh-CN" sz="2000" dirty="0" err="1"/>
-              <a:t>Scrapy</a:t>
-            </a:r>
-            <a:r>
-              <a:rPr kumimoji="1" lang="zh-CN" altLang="en-US" sz="2000" dirty="0"/>
-              <a:t>设计针对特定网站的爬虫；</a:t>
-            </a:r>
-            <a:endParaRPr kumimoji="1" lang="en-US" altLang="zh-CN" sz="2000" dirty="0"/>
-          </a:p>
-          <a:p>
-            <a:r>
-              <a:rPr kumimoji="1" lang="zh-CN" altLang="en-US" sz="2000" dirty="0"/>
-              <a:t>根据所设计的爬虫程序分析性能，结合对源码的分析探讨是否有可以提升性能的部分；</a:t>
-            </a:r>
-            <a:endParaRPr kumimoji="1" lang="en-US" altLang="zh-CN" sz="2000" dirty="0"/>
-          </a:p>
-          <a:p>
-            <a:r>
-              <a:rPr lang="zh-CN" altLang="en-US" sz="2000" dirty="0"/>
-              <a:t>对改进后的框架进行测试与评估。</a:t>
-            </a:r>
-            <a:endParaRPr lang="en-US" altLang="zh-CN" sz="2000" dirty="0"/>
-          </a:p>
-          <a:p>
-            <a:r>
-              <a:rPr kumimoji="1" lang="zh-CN" altLang="en-US" sz="1200" dirty="0"/>
-              <a:t>官方网站：</a:t>
-            </a:r>
-            <a:r>
-              <a:rPr kumimoji="1" lang="en-US" altLang="zh-CN" sz="1200" dirty="0"/>
-              <a:t> </a:t>
-            </a:r>
-            <a:r>
-              <a:rPr kumimoji="1" lang="en-US" altLang="zh-CN" sz="1200" dirty="0">
-                <a:hlinkClick r:id="rId2"/>
-              </a:rPr>
-              <a:t>https://scrapy.org</a:t>
-            </a:r>
-            <a:endParaRPr kumimoji="1" lang="en-US" altLang="zh-CN" sz="1200" dirty="0"/>
-          </a:p>
-          <a:p>
-            <a:r>
-              <a:rPr kumimoji="1" lang="en-US" altLang="zh-CN" sz="1200" dirty="0" err="1"/>
-              <a:t>Github</a:t>
-            </a:r>
-            <a:r>
-              <a:rPr kumimoji="1" lang="zh-CN" altLang="en-US" sz="1200" dirty="0"/>
-              <a:t>仓库：</a:t>
-            </a:r>
-            <a:r>
-              <a:rPr kumimoji="1" lang="en-US" altLang="zh-CN" sz="1200" dirty="0"/>
-              <a:t> </a:t>
-            </a:r>
-            <a:r>
-              <a:rPr kumimoji="1" lang="en-US" altLang="zh-CN" sz="1200" dirty="0">
-                <a:hlinkClick r:id="rId3"/>
-              </a:rPr>
-              <a:t>https://github.com/scrapy/scrapy</a:t>
-            </a:r>
-            <a:endParaRPr kumimoji="1" lang="zh-CN" altLang="en-US" sz="1200" dirty="0"/>
-          </a:p>
-          <a:p>
-            <a:endParaRPr kumimoji="1" lang="zh-CN" altLang="en-US" sz="2000" dirty="0"/>
-          </a:p>
-          <a:p>
-            <a:endParaRPr kumimoji="1" lang="zh-CN" altLang="en-US" sz="2000" dirty="0"/>
-          </a:p>
-        </p:txBody>
-      </p:sp>
-    </p:spTree>
-    <p:extLst>
-      <p:ext uri="{BB962C8B-B14F-4D97-AF65-F5344CB8AC3E}">
-        <p14:creationId xmlns:p14="http://schemas.microsoft.com/office/powerpoint/2010/main" val="484341008"/>
-      </p:ext>
-    </p:extLst>
-  </p:cSld>
-  <p:clrMapOvr>
-    <a:masterClrMapping/>
-  </p:clrMapOvr>
-</p:sld>
-</file>
-
-<file path=ppt/slides/slide5.xml><?xml version="1.0" encoding="utf-8"?>
-<p:sld xmlns:a="http://schemas.openxmlformats.org/drawingml/2006/main" xmlns:r="http://schemas.openxmlformats.org/officeDocument/2006/relationships" xmlns:p="http://schemas.openxmlformats.org/presentationml/2006/main">
-  <p:cSld>
-    <p:spTree>
-      <p:nvGrpSpPr>
-        <p:cNvPr id="1" name=""/>
-        <p:cNvGrpSpPr/>
-        <p:nvPr/>
-      </p:nvGrpSpPr>
-      <p:grpSpPr>
-        <a:xfrm>
-          <a:off x="0" y="0"/>
-          <a:ext cx="0" cy="0"/>
-          <a:chOff x="0" y="0"/>
-          <a:chExt cx="0" cy="0"/>
-        </a:xfrm>
-      </p:grpSpPr>
-      <p:sp>
-        <p:nvSpPr>
-          <p:cNvPr id="2" name="标题 1">
-            <a:extLst>
-              <a:ext uri="{FF2B5EF4-FFF2-40B4-BE49-F238E27FC236}">
-                <a16:creationId xmlns:a16="http://schemas.microsoft.com/office/drawing/2014/main" id="{C62BFB49-441B-5B47-B3AE-D387D19E79D1}"/>
-              </a:ext>
-            </a:extLst>
-          </p:cNvPr>
-          <p:cNvSpPr>
-            <a:spLocks noGrp="1"/>
-          </p:cNvSpPr>
-          <p:nvPr>
-            <p:ph type="title"/>
-          </p:nvPr>
-        </p:nvSpPr>
-        <p:spPr/>
-        <p:txBody>
-          <a:bodyPr/>
-          <a:lstStyle/>
-          <a:p>
-            <a:r>
-              <a:rPr kumimoji="1" lang="zh-CN" altLang="en-US" dirty="0"/>
-              <a:t>项目目标</a:t>
-            </a:r>
-            <a:r>
-              <a:rPr kumimoji="1" lang="en-US" altLang="zh-CN" dirty="0"/>
-              <a:t>——</a:t>
-            </a:r>
-            <a:r>
-              <a:rPr kumimoji="1" lang="zh-CN" altLang="en-US" dirty="0"/>
-              <a:t>实现新的需求</a:t>
-            </a:r>
-          </a:p>
-        </p:txBody>
-      </p:sp>
-      <p:sp>
-        <p:nvSpPr>
-          <p:cNvPr id="3" name="内容占位符 2">
-            <a:extLst>
-              <a:ext uri="{FF2B5EF4-FFF2-40B4-BE49-F238E27FC236}">
-                <a16:creationId xmlns:a16="http://schemas.microsoft.com/office/drawing/2014/main" id="{0319CC14-6A9F-AB47-886E-C570F2C7141B}"/>
-              </a:ext>
-            </a:extLst>
-          </p:cNvPr>
-          <p:cNvSpPr>
-            <a:spLocks noGrp="1"/>
-          </p:cNvSpPr>
-          <p:nvPr>
-            <p:ph idx="1"/>
-          </p:nvPr>
-        </p:nvSpPr>
-        <p:spPr>
-          <a:xfrm>
-            <a:off x="677334" y="1555667"/>
-            <a:ext cx="8596668" cy="4485695"/>
-          </a:xfrm>
-        </p:spPr>
-        <p:txBody>
-          <a:bodyPr>
-            <a:normAutofit/>
-          </a:bodyPr>
-          <a:lstStyle/>
-          <a:p>
-            <a:pPr lvl="0">
-              <a:lnSpc>
-                <a:spcPct val="150000"/>
-              </a:lnSpc>
-            </a:pPr>
-            <a:r>
-              <a:rPr lang="zh-CN" altLang="zh-CN" dirty="0"/>
-              <a:t>为</a:t>
-            </a:r>
-            <a:r>
-              <a:rPr lang="en-US" altLang="zh-CN" dirty="0"/>
-              <a:t>Scrapy</a:t>
-            </a:r>
-            <a:r>
-              <a:rPr lang="zh-CN" altLang="zh-CN" dirty="0"/>
-              <a:t>定制可视化</a:t>
-            </a:r>
-            <a:r>
-              <a:rPr lang="en-US" altLang="zh-CN" dirty="0"/>
-              <a:t>web</a:t>
-            </a:r>
-            <a:r>
-              <a:rPr lang="zh-CN" altLang="zh-CN" dirty="0"/>
-              <a:t>用户界面。</a:t>
-            </a:r>
-          </a:p>
-          <a:p>
-            <a:pPr lvl="0">
-              <a:lnSpc>
-                <a:spcPct val="150000"/>
-              </a:lnSpc>
-            </a:pPr>
-            <a:r>
-              <a:rPr lang="zh-CN" altLang="zh-CN" dirty="0"/>
-              <a:t>在</a:t>
-            </a:r>
-            <a:r>
-              <a:rPr lang="en-US" altLang="zh-CN" dirty="0"/>
-              <a:t>web</a:t>
-            </a:r>
-            <a:r>
-              <a:rPr lang="zh-CN" altLang="zh-CN" dirty="0"/>
-              <a:t>界面中输入用户需要筛选的标签、目标网站等信息，为用户输出爬虫的内容，时长等，并对输出进行排版。</a:t>
-            </a:r>
-          </a:p>
-          <a:p>
-            <a:pPr lvl="0">
-              <a:lnSpc>
-                <a:spcPct val="150000"/>
-              </a:lnSpc>
-            </a:pPr>
-            <a:r>
-              <a:rPr lang="zh-CN" altLang="zh-CN" dirty="0"/>
-              <a:t>为用户显示爬取信息的词云。</a:t>
-            </a:r>
-          </a:p>
-          <a:p>
-            <a:pPr lvl="0">
-              <a:lnSpc>
-                <a:spcPct val="150000"/>
-              </a:lnSpc>
-            </a:pPr>
-            <a:r>
-              <a:rPr lang="zh-CN" altLang="zh-CN" dirty="0"/>
-              <a:t>将在</a:t>
-            </a:r>
-            <a:r>
-              <a:rPr lang="en-US" altLang="zh-CN" dirty="0"/>
-              <a:t>web</a:t>
-            </a:r>
-            <a:r>
-              <a:rPr lang="zh-CN" altLang="zh-CN" dirty="0"/>
-              <a:t>界面提供调试与编译</a:t>
-            </a:r>
-            <a:r>
-              <a:rPr lang="en-US" altLang="zh-CN" dirty="0"/>
-              <a:t>python</a:t>
-            </a:r>
-            <a:r>
-              <a:rPr lang="zh-CN" altLang="zh-CN" dirty="0"/>
-              <a:t>代码的功能。</a:t>
-            </a:r>
-          </a:p>
-          <a:p>
-            <a:pPr lvl="0">
-              <a:lnSpc>
-                <a:spcPct val="150000"/>
-              </a:lnSpc>
-            </a:pPr>
-            <a:r>
-              <a:rPr lang="zh-CN" altLang="zh-CN" dirty="0"/>
-              <a:t>针对一些特定网站给出性能优化方案和性能指标对比。</a:t>
-            </a:r>
-            <a:endParaRPr kumimoji="1" lang="zh-CN" altLang="en-US" sz="2000" dirty="0"/>
-          </a:p>
-          <a:p>
-            <a:endParaRPr kumimoji="1" lang="zh-CN" altLang="en-US" sz="2000" dirty="0"/>
-          </a:p>
-        </p:txBody>
-      </p:sp>
-    </p:spTree>
-    <p:extLst>
-      <p:ext uri="{BB962C8B-B14F-4D97-AF65-F5344CB8AC3E}">
-        <p14:creationId xmlns:p14="http://schemas.microsoft.com/office/powerpoint/2010/main" val="766582814"/>
-      </p:ext>
-    </p:extLst>
-  </p:cSld>
-  <p:clrMapOvr>
-    <a:masterClrMapping/>
-  </p:clrMapOvr>
-</p:sld>
-</file>
-
-<file path=ppt/slides/slide6.xml><?xml version="1.0" encoding="utf-8"?>
-<p:sld xmlns:a="http://schemas.openxmlformats.org/drawingml/2006/main" xmlns:r="http://schemas.openxmlformats.org/officeDocument/2006/relationships" xmlns:p="http://schemas.openxmlformats.org/presentationml/2006/main">
-  <p:cSld>
-    <p:spTree>
-      <p:nvGrpSpPr>
-        <p:cNvPr id="1" name=""/>
-        <p:cNvGrpSpPr/>
-        <p:nvPr/>
-      </p:nvGrpSpPr>
-      <p:grpSpPr>
-        <a:xfrm>
-          <a:off x="0" y="0"/>
-          <a:ext cx="0" cy="0"/>
-          <a:chOff x="0" y="0"/>
-          <a:chExt cx="0" cy="0"/>
-        </a:xfrm>
-      </p:grpSpPr>
-      <p:sp>
-        <p:nvSpPr>
-          <p:cNvPr id="2" name="标题 1">
-            <a:extLst>
-              <a:ext uri="{FF2B5EF4-FFF2-40B4-BE49-F238E27FC236}">
-                <a16:creationId xmlns:a16="http://schemas.microsoft.com/office/drawing/2014/main" id="{C62BFB49-441B-5B47-B3AE-D387D19E79D1}"/>
-              </a:ext>
-            </a:extLst>
-          </p:cNvPr>
-          <p:cNvSpPr>
-            <a:spLocks noGrp="1"/>
-          </p:cNvSpPr>
-          <p:nvPr>
-            <p:ph type="title"/>
-          </p:nvPr>
-        </p:nvSpPr>
-        <p:spPr/>
-        <p:txBody>
-          <a:bodyPr/>
-          <a:lstStyle/>
-          <a:p>
-            <a:r>
-              <a:rPr kumimoji="1" lang="zh-CN" altLang="en-US" dirty="0"/>
-              <a:t>技术路线</a:t>
-            </a:r>
-          </a:p>
-        </p:txBody>
-      </p:sp>
-      <p:sp>
-        <p:nvSpPr>
-          <p:cNvPr id="3" name="内容占位符 2">
-            <a:extLst>
-              <a:ext uri="{FF2B5EF4-FFF2-40B4-BE49-F238E27FC236}">
-                <a16:creationId xmlns:a16="http://schemas.microsoft.com/office/drawing/2014/main" id="{0319CC14-6A9F-AB47-886E-C570F2C7141B}"/>
-              </a:ext>
-            </a:extLst>
-          </p:cNvPr>
-          <p:cNvSpPr>
-            <a:spLocks noGrp="1"/>
-          </p:cNvSpPr>
-          <p:nvPr>
-            <p:ph idx="1"/>
-          </p:nvPr>
-        </p:nvSpPr>
-        <p:spPr>
-          <a:xfrm>
-            <a:off x="677334" y="1555667"/>
-            <a:ext cx="8596668" cy="4485695"/>
-          </a:xfrm>
-        </p:spPr>
-        <p:txBody>
-          <a:bodyPr>
-            <a:normAutofit/>
-          </a:bodyPr>
-          <a:lstStyle/>
-          <a:p>
-            <a:pPr marL="0" indent="457200">
-              <a:lnSpc>
-                <a:spcPct val="150000"/>
-              </a:lnSpc>
-              <a:buNone/>
-            </a:pPr>
-            <a:r>
-              <a:rPr lang="zh-CN" altLang="zh-CN" dirty="0"/>
-              <a:t>服务器使用</a:t>
-            </a:r>
-            <a:r>
-              <a:rPr lang="en-US" altLang="zh-CN" dirty="0"/>
-              <a:t>python</a:t>
-            </a:r>
-            <a:r>
-              <a:rPr lang="zh-CN" altLang="zh-CN" dirty="0"/>
-              <a:t>语言的</a:t>
-            </a:r>
-            <a:r>
-              <a:rPr lang="en-US" altLang="zh-CN" dirty="0"/>
-              <a:t>flask</a:t>
-            </a:r>
-            <a:r>
-              <a:rPr lang="zh-CN" altLang="zh-CN" dirty="0"/>
-              <a:t>框架进行搭建。前端使用</a:t>
-            </a:r>
-            <a:r>
-              <a:rPr lang="en-US" altLang="zh-CN" dirty="0"/>
-              <a:t>flask</a:t>
-            </a:r>
-            <a:r>
-              <a:rPr lang="zh-CN" altLang="zh-CN" dirty="0"/>
-              <a:t>框架提供的前端支持与原生</a:t>
-            </a:r>
-            <a:r>
-              <a:rPr lang="en-US" altLang="zh-CN" dirty="0"/>
-              <a:t>html</a:t>
-            </a:r>
-            <a:r>
-              <a:rPr lang="zh-CN" altLang="zh-CN" dirty="0"/>
-              <a:t>语言，同时使用前端</a:t>
-            </a:r>
-            <a:r>
-              <a:rPr lang="en-US" altLang="zh-CN" dirty="0" err="1"/>
-              <a:t>ui</a:t>
-            </a:r>
-            <a:r>
-              <a:rPr lang="zh-CN" altLang="zh-CN" dirty="0"/>
-              <a:t>包</a:t>
-            </a:r>
-            <a:r>
-              <a:rPr lang="en-US" altLang="zh-CN" dirty="0" err="1"/>
-              <a:t>Element.ui</a:t>
-            </a:r>
-            <a:r>
-              <a:rPr lang="zh-CN" altLang="zh-CN" dirty="0"/>
-              <a:t>进行搭建。这是一个前后端不分离的项目。</a:t>
-            </a:r>
-          </a:p>
-          <a:p>
-            <a:pPr marL="0" indent="457200">
-              <a:lnSpc>
-                <a:spcPct val="150000"/>
-              </a:lnSpc>
-              <a:buNone/>
-            </a:pPr>
-            <a:r>
-              <a:rPr lang="zh-CN" altLang="zh-CN" dirty="0"/>
-              <a:t>使用场景为用户在</a:t>
-            </a:r>
-            <a:r>
-              <a:rPr lang="en-US" altLang="zh-CN" dirty="0"/>
-              <a:t>IDE</a:t>
-            </a:r>
-            <a:r>
-              <a:rPr lang="zh-CN" altLang="zh-CN" dirty="0"/>
-              <a:t>内创建一个实体对象，调用</a:t>
-            </a:r>
-            <a:r>
-              <a:rPr lang="en-US" altLang="zh-CN" dirty="0"/>
-              <a:t>run</a:t>
-            </a:r>
-            <a:r>
-              <a:rPr lang="zh-CN" altLang="zh-CN" dirty="0"/>
-              <a:t>方法。即可在浏览器内查看</a:t>
-            </a:r>
-            <a:r>
-              <a:rPr lang="en-US" altLang="zh-CN" dirty="0"/>
-              <a:t>localhost</a:t>
-            </a:r>
-            <a:r>
-              <a:rPr lang="zh-CN" altLang="zh-CN" dirty="0"/>
-              <a:t>的特定端口看到</a:t>
-            </a:r>
-            <a:r>
-              <a:rPr lang="en-US" altLang="zh-CN" dirty="0" err="1"/>
-              <a:t>ui</a:t>
-            </a:r>
-            <a:r>
-              <a:rPr lang="zh-CN" altLang="zh-CN" dirty="0"/>
-              <a:t>调试界面。</a:t>
-            </a:r>
-          </a:p>
-          <a:p>
-            <a:pPr marL="0" indent="457200">
-              <a:lnSpc>
-                <a:spcPct val="150000"/>
-              </a:lnSpc>
-              <a:buNone/>
-            </a:pPr>
-            <a:r>
-              <a:rPr lang="zh-CN" altLang="zh-CN" dirty="0"/>
-              <a:t>后端使用</a:t>
-            </a:r>
-            <a:r>
-              <a:rPr lang="en-US" altLang="zh-CN" dirty="0"/>
-              <a:t>flask</a:t>
-            </a:r>
-            <a:r>
-              <a:rPr lang="zh-CN" altLang="zh-CN" dirty="0"/>
-              <a:t>框架提供用于各个场景的接口。前端编写网页并且调用这些接口完成项目预期实现的功能。与实现一个线上网站的方法比较类似。</a:t>
-            </a:r>
-          </a:p>
-          <a:p>
-            <a:endParaRPr kumimoji="1" lang="zh-CN" altLang="en-US" sz="2000" dirty="0"/>
-          </a:p>
-        </p:txBody>
-      </p:sp>
-    </p:spTree>
-    <p:extLst>
-      <p:ext uri="{BB962C8B-B14F-4D97-AF65-F5344CB8AC3E}">
-        <p14:creationId xmlns:p14="http://schemas.microsoft.com/office/powerpoint/2010/main" val="3140891417"/>
-      </p:ext>
-    </p:extLst>
-  </p:cSld>
-  <p:clrMapOvr>
-    <a:masterClrMapping/>
-  </p:clrMapOvr>
-</p:sld>
-</file>
-
-<file path=ppt/slides/slide7.xml><?xml version="1.0" encoding="utf-8"?>
-<p:sld xmlns:a="http://schemas.openxmlformats.org/drawingml/2006/main" xmlns:r="http://schemas.openxmlformats.org/officeDocument/2006/relationships" xmlns:p="http://schemas.openxmlformats.org/presentationml/2006/main">
-  <p:cSld>
-    <p:spTree>
-      <p:nvGrpSpPr>
-        <p:cNvPr id="1" name=""/>
-        <p:cNvGrpSpPr/>
-        <p:nvPr/>
-      </p:nvGrpSpPr>
-      <p:grpSpPr>
-        <a:xfrm>
-          <a:off x="0" y="0"/>
-          <a:ext cx="0" cy="0"/>
-          <a:chOff x="0" y="0"/>
-          <a:chExt cx="0" cy="0"/>
-        </a:xfrm>
-      </p:grpSpPr>
-      <p:sp>
-        <p:nvSpPr>
-          <p:cNvPr id="2" name="标题 1">
-            <a:extLst>
-              <a:ext uri="{FF2B5EF4-FFF2-40B4-BE49-F238E27FC236}">
-                <a16:creationId xmlns:a16="http://schemas.microsoft.com/office/drawing/2014/main" id="{C62BFB49-441B-5B47-B3AE-D387D19E79D1}"/>
-              </a:ext>
-            </a:extLst>
-          </p:cNvPr>
-          <p:cNvSpPr>
-            <a:spLocks noGrp="1"/>
-          </p:cNvSpPr>
-          <p:nvPr>
-            <p:ph type="title"/>
-          </p:nvPr>
-        </p:nvSpPr>
-        <p:spPr>
-          <a:xfrm>
-            <a:off x="677334" y="609600"/>
-            <a:ext cx="8596668" cy="1320800"/>
-          </a:xfrm>
-        </p:spPr>
-        <p:txBody>
-          <a:bodyPr/>
-          <a:lstStyle/>
-          <a:p>
-            <a:r>
-              <a:rPr kumimoji="1" lang="zh-CN" altLang="en-US" dirty="0"/>
-              <a:t>项目组织分工</a:t>
-            </a:r>
-          </a:p>
-        </p:txBody>
-      </p:sp>
-      <p:pic>
-        <p:nvPicPr>
-          <p:cNvPr id="8" name="图片 7">
-            <a:extLst>
-              <a:ext uri="{FF2B5EF4-FFF2-40B4-BE49-F238E27FC236}">
-                <a16:creationId xmlns:a16="http://schemas.microsoft.com/office/drawing/2014/main" id="{C2170D4F-79C8-4B6A-8715-16F075DC88A7}"/>
-              </a:ext>
-            </a:extLst>
-          </p:cNvPr>
-          <p:cNvPicPr>
-            <a:picLocks noChangeAspect="1"/>
-          </p:cNvPicPr>
-          <p:nvPr/>
-        </p:nvPicPr>
-        <p:blipFill>
-          <a:blip r:embed="rId2"/>
-          <a:stretch>
-            <a:fillRect/>
-          </a:stretch>
-        </p:blipFill>
-        <p:spPr>
-          <a:xfrm>
-            <a:off x="118041" y="1573644"/>
-            <a:ext cx="6255314" cy="4170209"/>
-          </a:xfrm>
-          <a:prstGeom prst="rect">
-            <a:avLst/>
-          </a:prstGeom>
-        </p:spPr>
-      </p:pic>
-      <p:pic>
-        <p:nvPicPr>
-          <p:cNvPr id="10" name="图片 9">
-            <a:extLst>
-              <a:ext uri="{FF2B5EF4-FFF2-40B4-BE49-F238E27FC236}">
-                <a16:creationId xmlns:a16="http://schemas.microsoft.com/office/drawing/2014/main" id="{8CA5A8FB-099B-43DC-8242-EC9F2BABE58B}"/>
-              </a:ext>
-            </a:extLst>
-          </p:cNvPr>
-          <p:cNvPicPr>
-            <a:picLocks noChangeAspect="1"/>
-          </p:cNvPicPr>
-          <p:nvPr/>
-        </p:nvPicPr>
-        <p:blipFill>
-          <a:blip r:embed="rId3"/>
-          <a:stretch>
-            <a:fillRect/>
-          </a:stretch>
-        </p:blipFill>
-        <p:spPr>
-          <a:xfrm>
-            <a:off x="6225927" y="1131608"/>
-            <a:ext cx="5705701" cy="4612245"/>
-          </a:xfrm>
-          <a:prstGeom prst="rect">
-            <a:avLst/>
-          </a:prstGeom>
-        </p:spPr>
-      </p:pic>
-    </p:spTree>
-    <p:extLst>
-      <p:ext uri="{BB962C8B-B14F-4D97-AF65-F5344CB8AC3E}">
-        <p14:creationId xmlns:p14="http://schemas.microsoft.com/office/powerpoint/2010/main" val="1157275252"/>
-      </p:ext>
-    </p:extLst>
-  </p:cSld>
-  <p:clrMapOvr>
-    <a:masterClrMapping/>
-  </p:clrMapOvr>
-</p:sld>
-</file>
-
-<file path=ppt/slides/slide8.xml><?xml version="1.0" encoding="utf-8"?>
-<p:sld xmlns:a="http://schemas.openxmlformats.org/drawingml/2006/main" xmlns:r="http://schemas.openxmlformats.org/officeDocument/2006/relationships" xmlns:p="http://schemas.openxmlformats.org/presentationml/2006/main">
-  <p:cSld>
-    <p:spTree>
-      <p:nvGrpSpPr>
-        <p:cNvPr id="1" name=""/>
-        <p:cNvGrpSpPr/>
-        <p:nvPr/>
-      </p:nvGrpSpPr>
-      <p:grpSpPr>
-        <a:xfrm>
-          <a:off x="0" y="0"/>
-          <a:ext cx="0" cy="0"/>
-          <a:chOff x="0" y="0"/>
-          <a:chExt cx="0" cy="0"/>
-        </a:xfrm>
-      </p:grpSpPr>
-      <p:sp>
-        <p:nvSpPr>
-          <p:cNvPr id="2" name="标题 1">
-            <a:extLst>
-              <a:ext uri="{FF2B5EF4-FFF2-40B4-BE49-F238E27FC236}">
-                <a16:creationId xmlns:a16="http://schemas.microsoft.com/office/drawing/2014/main" id="{C62BFB49-441B-5B47-B3AE-D387D19E79D1}"/>
-              </a:ext>
-            </a:extLst>
-          </p:cNvPr>
-          <p:cNvSpPr>
-            <a:spLocks noGrp="1"/>
-          </p:cNvSpPr>
-          <p:nvPr>
-            <p:ph type="title"/>
-          </p:nvPr>
-        </p:nvSpPr>
-        <p:spPr/>
-        <p:txBody>
-          <a:bodyPr/>
-          <a:lstStyle/>
-          <a:p>
-            <a:r>
-              <a:rPr kumimoji="1" lang="zh-CN" altLang="en-US" dirty="0"/>
-              <a:t>协作与沟通</a:t>
-            </a:r>
-            <a:r>
-              <a:rPr kumimoji="1" lang="en-US" altLang="zh-CN" dirty="0"/>
-              <a:t>——</a:t>
-            </a:r>
-            <a:r>
-              <a:rPr kumimoji="1" lang="zh-CN" altLang="en-US" dirty="0"/>
-              <a:t>协作</a:t>
-            </a:r>
-          </a:p>
-        </p:txBody>
-      </p:sp>
-      <p:graphicFrame>
-        <p:nvGraphicFramePr>
-          <p:cNvPr id="4" name="表格 3">
-            <a:extLst>
-              <a:ext uri="{FF2B5EF4-FFF2-40B4-BE49-F238E27FC236}">
-                <a16:creationId xmlns:a16="http://schemas.microsoft.com/office/drawing/2014/main" id="{019C7DB4-6851-EC48-8BDB-D940D848B4BE}"/>
-              </a:ext>
-            </a:extLst>
-          </p:cNvPr>
-          <p:cNvGraphicFramePr>
-            <a:graphicFrameLocks noGrp="1"/>
-          </p:cNvGraphicFramePr>
-          <p:nvPr>
-            <p:extLst>
-              <p:ext uri="{D42A27DB-BD31-4B8C-83A1-F6EECF244321}">
-                <p14:modId xmlns:p14="http://schemas.microsoft.com/office/powerpoint/2010/main" val="795723174"/>
-              </p:ext>
-            </p:extLst>
-          </p:nvPr>
-        </p:nvGraphicFramePr>
-        <p:xfrm>
-          <a:off x="677334" y="1605776"/>
-          <a:ext cx="8221339" cy="3200399"/>
-        </p:xfrm>
-        <a:graphic>
-          <a:graphicData uri="http://schemas.openxmlformats.org/drawingml/2006/table">
-            <a:tbl>
-              <a:tblPr firstRow="1" firstCol="1" bandRow="1">
-                <a:tableStyleId>{21E4AEA4-8DFA-4A89-87EB-49C32662AFE0}</a:tableStyleId>
-              </a:tblPr>
-              <a:tblGrid>
-                <a:gridCol w="1389730">
-                  <a:extLst>
-                    <a:ext uri="{9D8B030D-6E8A-4147-A177-3AD203B41FA5}">
-                      <a16:colId xmlns:a16="http://schemas.microsoft.com/office/drawing/2014/main" val="3668447793"/>
-                    </a:ext>
-                  </a:extLst>
-                </a:gridCol>
-                <a:gridCol w="1951326">
-                  <a:extLst>
-                    <a:ext uri="{9D8B030D-6E8A-4147-A177-3AD203B41FA5}">
-                      <a16:colId xmlns:a16="http://schemas.microsoft.com/office/drawing/2014/main" val="4188061260"/>
-                    </a:ext>
-                  </a:extLst>
-                </a:gridCol>
-                <a:gridCol w="4880283">
-                  <a:extLst>
-                    <a:ext uri="{9D8B030D-6E8A-4147-A177-3AD203B41FA5}">
-                      <a16:colId xmlns:a16="http://schemas.microsoft.com/office/drawing/2014/main" val="2129471345"/>
-                    </a:ext>
-                  </a:extLst>
-                </a:gridCol>
-              </a:tblGrid>
-              <a:tr h="379032">
-                <a:tc>
-                  <a:txBody>
-                    <a:bodyPr/>
-                    <a:lstStyle/>
-                    <a:p>
-                      <a:pPr algn="ctr">
-                        <a:lnSpc>
-                          <a:spcPct val="150000"/>
-                        </a:lnSpc>
-                        <a:spcAft>
-                          <a:spcPts val="0"/>
-                        </a:spcAft>
-                      </a:pPr>
-                      <a:r>
-                        <a:rPr lang="zh-CN" sz="1600" kern="100" dirty="0">
-                          <a:effectLst/>
-                        </a:rPr>
-                        <a:t>工具</a:t>
-                      </a:r>
-                      <a:endParaRPr lang="zh-CN" sz="1600" kern="100" dirty="0">
-                        <a:effectLst/>
-                        <a:latin typeface="Times New Roman" panose="02020603050405020304" pitchFamily="18" charset="0"/>
-                        <a:ea typeface="宋体" panose="02010600030101010101" pitchFamily="2" charset="-122"/>
-                        <a:cs typeface="Times New Roman" panose="02020603050405020304" pitchFamily="18" charset="0"/>
-                      </a:endParaRPr>
-                    </a:p>
-                  </a:txBody>
-                  <a:tcPr marL="68580" marR="68580" marT="0" marB="0" anchor="b"/>
-                </a:tc>
-                <a:tc>
-                  <a:txBody>
-                    <a:bodyPr/>
-                    <a:lstStyle/>
-                    <a:p>
-                      <a:pPr algn="ctr">
-                        <a:lnSpc>
-                          <a:spcPct val="150000"/>
-                        </a:lnSpc>
-                        <a:spcAft>
-                          <a:spcPts val="0"/>
-                        </a:spcAft>
-                      </a:pPr>
-                      <a:r>
-                        <a:rPr lang="zh-CN" sz="1600" kern="100">
-                          <a:effectLst/>
-                        </a:rPr>
-                        <a:t>频率</a:t>
-                      </a:r>
-                      <a:endParaRPr lang="zh-CN" sz="1600" kern="100">
-                        <a:effectLst/>
-                        <a:latin typeface="Times New Roman" panose="02020603050405020304" pitchFamily="18" charset="0"/>
-                        <a:ea typeface="宋体" panose="02010600030101010101" pitchFamily="2" charset="-122"/>
-                        <a:cs typeface="Times New Roman" panose="02020603050405020304" pitchFamily="18" charset="0"/>
-                      </a:endParaRPr>
-                    </a:p>
-                  </a:txBody>
-                  <a:tcPr marL="68580" marR="68580" marT="0" marB="0" anchor="b"/>
-                </a:tc>
-                <a:tc>
-                  <a:txBody>
-                    <a:bodyPr/>
-                    <a:lstStyle/>
-                    <a:p>
-                      <a:pPr algn="ctr">
-                        <a:lnSpc>
-                          <a:spcPct val="150000"/>
-                        </a:lnSpc>
-                        <a:spcAft>
-                          <a:spcPts val="0"/>
-                        </a:spcAft>
-                      </a:pPr>
-                      <a:r>
-                        <a:rPr lang="zh-CN" sz="1600" kern="100" dirty="0">
-                          <a:effectLst/>
-                        </a:rPr>
-                        <a:t>目的</a:t>
-                      </a:r>
-                      <a:endParaRPr lang="zh-CN" sz="1600" kern="100" dirty="0">
-                        <a:effectLst/>
-                        <a:latin typeface="Times New Roman" panose="02020603050405020304" pitchFamily="18" charset="0"/>
-                        <a:ea typeface="宋体" panose="02010600030101010101" pitchFamily="2" charset="-122"/>
-                        <a:cs typeface="Times New Roman" panose="02020603050405020304" pitchFamily="18" charset="0"/>
-                      </a:endParaRPr>
-                    </a:p>
-                  </a:txBody>
-                  <a:tcPr marL="68580" marR="68580" marT="0" marB="0" anchor="ctr"/>
-                </a:tc>
-                <a:extLst>
-                  <a:ext uri="{0D108BD9-81ED-4DB2-BD59-A6C34878D82A}">
-                    <a16:rowId xmlns:a16="http://schemas.microsoft.com/office/drawing/2014/main" val="3746053885"/>
-                  </a:ext>
-                </a:extLst>
-              </a:tr>
-              <a:tr h="960751">
-                <a:tc>
-                  <a:txBody>
-                    <a:bodyPr/>
-                    <a:lstStyle/>
-                    <a:p>
-                      <a:pPr algn="ctr">
-                        <a:lnSpc>
-                          <a:spcPct val="150000"/>
-                        </a:lnSpc>
-                        <a:spcAft>
-                          <a:spcPts val="0"/>
-                        </a:spcAft>
-                      </a:pPr>
-                      <a:r>
-                        <a:rPr lang="zh-CN" sz="1600" kern="100" dirty="0">
-                          <a:effectLst/>
-                        </a:rPr>
-                        <a:t>腾讯会议</a:t>
-                      </a:r>
-                      <a:endParaRPr lang="zh-CN" sz="1600" kern="100" dirty="0">
-                        <a:effectLst/>
-                        <a:latin typeface="Times New Roman" panose="02020603050405020304" pitchFamily="18" charset="0"/>
-                        <a:ea typeface="宋体" panose="02010600030101010101" pitchFamily="2" charset="-122"/>
-                        <a:cs typeface="Times New Roman" panose="02020603050405020304" pitchFamily="18" charset="0"/>
-                      </a:endParaRPr>
-                    </a:p>
-                  </a:txBody>
-                  <a:tcPr marL="68580" marR="68580" marT="0" marB="0"/>
-                </a:tc>
-                <a:tc>
-                  <a:txBody>
-                    <a:bodyPr/>
-                    <a:lstStyle/>
-                    <a:p>
-                      <a:pPr algn="ctr">
-                        <a:lnSpc>
-                          <a:spcPct val="150000"/>
-                        </a:lnSpc>
-                        <a:spcAft>
-                          <a:spcPts val="0"/>
-                        </a:spcAft>
-                      </a:pPr>
-                      <a:r>
-                        <a:rPr lang="zh-CN" sz="1600" kern="100" dirty="0">
-                          <a:effectLst/>
-                        </a:rPr>
-                        <a:t>每周</a:t>
-                      </a:r>
-                      <a:r>
-                        <a:rPr lang="en-US" sz="1600" kern="100" dirty="0">
-                          <a:effectLst/>
-                        </a:rPr>
-                        <a:t>1</a:t>
-                      </a:r>
-                      <a:r>
-                        <a:rPr lang="zh-CN" sz="1600" kern="100" dirty="0">
-                          <a:effectLst/>
-                        </a:rPr>
-                        <a:t>至</a:t>
-                      </a:r>
-                      <a:r>
-                        <a:rPr lang="en-US" sz="1600" kern="100" dirty="0">
-                          <a:effectLst/>
-                        </a:rPr>
-                        <a:t>2</a:t>
-                      </a:r>
-                      <a:r>
-                        <a:rPr lang="zh-CN" sz="1600" kern="100" dirty="0">
-                          <a:effectLst/>
-                        </a:rPr>
-                        <a:t>次</a:t>
-                      </a:r>
-                      <a:endParaRPr lang="zh-CN" sz="1600" kern="100" dirty="0">
-                        <a:effectLst/>
-                        <a:latin typeface="Times New Roman" panose="02020603050405020304" pitchFamily="18" charset="0"/>
-                        <a:ea typeface="宋体" panose="02010600030101010101" pitchFamily="2" charset="-122"/>
-                        <a:cs typeface="Times New Roman" panose="02020603050405020304" pitchFamily="18" charset="0"/>
-                      </a:endParaRPr>
-                    </a:p>
-                  </a:txBody>
-                  <a:tcPr marL="68580" marR="68580" marT="0" marB="0"/>
-                </a:tc>
-                <a:tc>
-                  <a:txBody>
-                    <a:bodyPr/>
-                    <a:lstStyle/>
-                    <a:p>
-                      <a:pPr algn="just">
-                        <a:lnSpc>
-                          <a:spcPct val="150000"/>
-                        </a:lnSpc>
-                        <a:spcAft>
-                          <a:spcPts val="0"/>
-                        </a:spcAft>
-                      </a:pPr>
-                      <a:r>
-                        <a:rPr lang="zh-CN" sz="1600" kern="100">
-                          <a:effectLst/>
-                        </a:rPr>
-                        <a:t>对具体阶段的任务进行深入分析，任务厘清，团队交流</a:t>
-                      </a:r>
-                      <a:endParaRPr lang="zh-CN" sz="1600" kern="100">
-                        <a:effectLst/>
-                        <a:latin typeface="Times New Roman" panose="02020603050405020304" pitchFamily="18" charset="0"/>
-                        <a:ea typeface="宋体" panose="02010600030101010101" pitchFamily="2" charset="-122"/>
-                        <a:cs typeface="Times New Roman" panose="02020603050405020304" pitchFamily="18" charset="0"/>
-                      </a:endParaRPr>
-                    </a:p>
-                  </a:txBody>
-                  <a:tcPr marL="68580" marR="68580" marT="0" marB="0"/>
-                </a:tc>
-                <a:extLst>
-                  <a:ext uri="{0D108BD9-81ED-4DB2-BD59-A6C34878D82A}">
-                    <a16:rowId xmlns:a16="http://schemas.microsoft.com/office/drawing/2014/main" val="2948407892"/>
-                  </a:ext>
-                </a:extLst>
-              </a:tr>
-              <a:tr h="454909">
-                <a:tc>
-                  <a:txBody>
-                    <a:bodyPr/>
-                    <a:lstStyle/>
-                    <a:p>
-                      <a:pPr algn="ctr">
-                        <a:lnSpc>
-                          <a:spcPct val="150000"/>
-                        </a:lnSpc>
-                        <a:spcAft>
-                          <a:spcPts val="0"/>
-                        </a:spcAft>
-                      </a:pPr>
-                      <a:r>
-                        <a:rPr lang="zh-CN" sz="1600" kern="100">
-                          <a:effectLst/>
-                        </a:rPr>
-                        <a:t>微信群</a:t>
-                      </a:r>
-                      <a:endParaRPr lang="zh-CN" sz="1600" kern="100">
-                        <a:effectLst/>
-                        <a:latin typeface="Times New Roman" panose="02020603050405020304" pitchFamily="18" charset="0"/>
-                        <a:ea typeface="宋体" panose="02010600030101010101" pitchFamily="2" charset="-122"/>
-                        <a:cs typeface="Times New Roman" panose="02020603050405020304" pitchFamily="18" charset="0"/>
-                      </a:endParaRPr>
-                    </a:p>
-                  </a:txBody>
-                  <a:tcPr marL="68580" marR="68580" marT="0" marB="0"/>
-                </a:tc>
-                <a:tc>
-                  <a:txBody>
-                    <a:bodyPr/>
-                    <a:lstStyle/>
-                    <a:p>
-                      <a:pPr algn="ctr">
-                        <a:lnSpc>
-                          <a:spcPct val="150000"/>
-                        </a:lnSpc>
-                        <a:spcAft>
-                          <a:spcPts val="0"/>
-                        </a:spcAft>
-                      </a:pPr>
-                      <a:r>
-                        <a:rPr lang="zh-CN" sz="1600" kern="100">
-                          <a:effectLst/>
-                        </a:rPr>
-                        <a:t>随时</a:t>
-                      </a:r>
-                      <a:endParaRPr lang="zh-CN" sz="1600" kern="100">
-                        <a:effectLst/>
-                        <a:latin typeface="Times New Roman" panose="02020603050405020304" pitchFamily="18" charset="0"/>
-                        <a:ea typeface="宋体" panose="02010600030101010101" pitchFamily="2" charset="-122"/>
-                        <a:cs typeface="Times New Roman" panose="02020603050405020304" pitchFamily="18" charset="0"/>
-                      </a:endParaRPr>
-                    </a:p>
-                  </a:txBody>
-                  <a:tcPr marL="68580" marR="68580" marT="0" marB="0"/>
-                </a:tc>
-                <a:tc>
-                  <a:txBody>
-                    <a:bodyPr/>
-                    <a:lstStyle/>
-                    <a:p>
-                      <a:pPr algn="l">
-                        <a:lnSpc>
-                          <a:spcPct val="150000"/>
-                        </a:lnSpc>
-                        <a:spcAft>
-                          <a:spcPts val="0"/>
-                        </a:spcAft>
-                      </a:pPr>
-                      <a:r>
-                        <a:rPr lang="zh-CN" sz="1600" kern="100">
-                          <a:effectLst/>
-                        </a:rPr>
-                        <a:t>成员的交流，问题的讨论，任务的交接等</a:t>
-                      </a:r>
-                      <a:endParaRPr lang="zh-CN" sz="1600" kern="100">
-                        <a:effectLst/>
-                        <a:latin typeface="Times New Roman" panose="02020603050405020304" pitchFamily="18" charset="0"/>
-                        <a:ea typeface="宋体" panose="02010600030101010101" pitchFamily="2" charset="-122"/>
-                        <a:cs typeface="Times New Roman" panose="02020603050405020304" pitchFamily="18" charset="0"/>
-                      </a:endParaRPr>
-                    </a:p>
-                  </a:txBody>
-                  <a:tcPr marL="68580" marR="68580" marT="0" marB="0"/>
-                </a:tc>
-                <a:extLst>
-                  <a:ext uri="{0D108BD9-81ED-4DB2-BD59-A6C34878D82A}">
-                    <a16:rowId xmlns:a16="http://schemas.microsoft.com/office/drawing/2014/main" val="1239201754"/>
-                  </a:ext>
-                </a:extLst>
-              </a:tr>
-              <a:tr h="454909">
-                <a:tc>
-                  <a:txBody>
-                    <a:bodyPr/>
-                    <a:lstStyle/>
-                    <a:p>
-                      <a:pPr algn="ctr">
-                        <a:lnSpc>
-                          <a:spcPct val="150000"/>
-                        </a:lnSpc>
-                        <a:spcAft>
-                          <a:spcPts val="0"/>
-                        </a:spcAft>
-                      </a:pPr>
-                      <a:r>
-                        <a:rPr lang="en-US" sz="1600" kern="100">
-                          <a:effectLst/>
-                        </a:rPr>
-                        <a:t>Git,</a:t>
-                      </a:r>
-                      <a:r>
-                        <a:rPr lang="zh-CN" sz="1600" kern="100">
-                          <a:effectLst/>
-                        </a:rPr>
-                        <a:t>文档等</a:t>
-                      </a:r>
-                      <a:endParaRPr lang="zh-CN" sz="1600" kern="100">
-                        <a:effectLst/>
-                        <a:latin typeface="Times New Roman" panose="02020603050405020304" pitchFamily="18" charset="0"/>
-                        <a:ea typeface="宋体" panose="02010600030101010101" pitchFamily="2" charset="-122"/>
-                        <a:cs typeface="Times New Roman" panose="02020603050405020304" pitchFamily="18" charset="0"/>
-                      </a:endParaRPr>
-                    </a:p>
-                  </a:txBody>
-                  <a:tcPr marL="68580" marR="68580" marT="0" marB="0"/>
-                </a:tc>
-                <a:tc>
-                  <a:txBody>
-                    <a:bodyPr/>
-                    <a:lstStyle/>
-                    <a:p>
-                      <a:pPr algn="ctr">
-                        <a:lnSpc>
-                          <a:spcPct val="150000"/>
-                        </a:lnSpc>
-                        <a:spcAft>
-                          <a:spcPts val="0"/>
-                        </a:spcAft>
-                      </a:pPr>
-                      <a:r>
-                        <a:rPr lang="zh-CN" sz="1600" kern="100">
-                          <a:effectLst/>
-                        </a:rPr>
-                        <a:t>随时</a:t>
-                      </a:r>
-                      <a:endParaRPr lang="zh-CN" sz="1600" kern="100">
-                        <a:effectLst/>
-                        <a:latin typeface="Times New Roman" panose="02020603050405020304" pitchFamily="18" charset="0"/>
-                        <a:ea typeface="宋体" panose="02010600030101010101" pitchFamily="2" charset="-122"/>
-                        <a:cs typeface="Times New Roman" panose="02020603050405020304" pitchFamily="18" charset="0"/>
-                      </a:endParaRPr>
-                    </a:p>
-                  </a:txBody>
-                  <a:tcPr marL="68580" marR="68580" marT="0" marB="0"/>
-                </a:tc>
-                <a:tc>
-                  <a:txBody>
-                    <a:bodyPr/>
-                    <a:lstStyle/>
-                    <a:p>
-                      <a:pPr algn="l">
-                        <a:lnSpc>
-                          <a:spcPct val="150000"/>
-                        </a:lnSpc>
-                        <a:spcAft>
-                          <a:spcPts val="0"/>
-                        </a:spcAft>
-                      </a:pPr>
-                      <a:r>
-                        <a:rPr lang="zh-CN" sz="1600" kern="100">
-                          <a:effectLst/>
-                        </a:rPr>
-                        <a:t>项目的协作，任务的交接</a:t>
-                      </a:r>
-                      <a:endParaRPr lang="zh-CN" sz="1600" kern="100">
-                        <a:effectLst/>
-                        <a:latin typeface="Times New Roman" panose="02020603050405020304" pitchFamily="18" charset="0"/>
-                        <a:ea typeface="宋体" panose="02010600030101010101" pitchFamily="2" charset="-122"/>
-                        <a:cs typeface="Times New Roman" panose="02020603050405020304" pitchFamily="18" charset="0"/>
-                      </a:endParaRPr>
-                    </a:p>
-                  </a:txBody>
-                  <a:tcPr marL="68580" marR="68580" marT="0" marB="0"/>
-                </a:tc>
-                <a:extLst>
-                  <a:ext uri="{0D108BD9-81ED-4DB2-BD59-A6C34878D82A}">
-                    <a16:rowId xmlns:a16="http://schemas.microsoft.com/office/drawing/2014/main" val="458331416"/>
-                  </a:ext>
-                </a:extLst>
-              </a:tr>
-              <a:tr h="950798">
-                <a:tc>
-                  <a:txBody>
-                    <a:bodyPr/>
-                    <a:lstStyle/>
-                    <a:p>
-                      <a:pPr algn="ctr">
-                        <a:lnSpc>
-                          <a:spcPct val="150000"/>
-                        </a:lnSpc>
-                        <a:spcAft>
-                          <a:spcPts val="0"/>
-                        </a:spcAft>
-                      </a:pPr>
-                      <a:r>
-                        <a:rPr lang="en-US" sz="1600" kern="100">
-                          <a:effectLst/>
-                        </a:rPr>
-                        <a:t>teambition</a:t>
-                      </a:r>
-                      <a:endParaRPr lang="zh-CN" sz="1600" kern="100">
-                        <a:effectLst/>
-                        <a:latin typeface="Times New Roman" panose="02020603050405020304" pitchFamily="18" charset="0"/>
-                        <a:ea typeface="宋体" panose="02010600030101010101" pitchFamily="2" charset="-122"/>
-                        <a:cs typeface="Times New Roman" panose="02020603050405020304" pitchFamily="18" charset="0"/>
-                      </a:endParaRPr>
-                    </a:p>
-                  </a:txBody>
-                  <a:tcPr marL="68580" marR="68580" marT="0" marB="0"/>
-                </a:tc>
-                <a:tc>
-                  <a:txBody>
-                    <a:bodyPr/>
-                    <a:lstStyle/>
-                    <a:p>
-                      <a:pPr algn="ctr">
-                        <a:lnSpc>
-                          <a:spcPct val="150000"/>
-                        </a:lnSpc>
-                        <a:spcAft>
-                          <a:spcPts val="0"/>
-                        </a:spcAft>
-                      </a:pPr>
-                      <a:r>
-                        <a:rPr lang="zh-CN" sz="1600" kern="100">
-                          <a:effectLst/>
-                        </a:rPr>
-                        <a:t>后续可能会使用</a:t>
-                      </a:r>
-                      <a:endParaRPr lang="zh-CN" sz="1600" kern="100">
-                        <a:effectLst/>
-                        <a:latin typeface="Times New Roman" panose="02020603050405020304" pitchFamily="18" charset="0"/>
-                        <a:ea typeface="宋体" panose="02010600030101010101" pitchFamily="2" charset="-122"/>
-                        <a:cs typeface="Times New Roman" panose="02020603050405020304" pitchFamily="18" charset="0"/>
-                      </a:endParaRPr>
-                    </a:p>
-                  </a:txBody>
-                  <a:tcPr marL="68580" marR="68580" marT="0" marB="0"/>
-                </a:tc>
-                <a:tc>
-                  <a:txBody>
-                    <a:bodyPr/>
-                    <a:lstStyle/>
-                    <a:p>
-                      <a:pPr algn="l">
-                        <a:lnSpc>
-                          <a:spcPct val="150000"/>
-                        </a:lnSpc>
-                        <a:spcAft>
-                          <a:spcPts val="0"/>
-                        </a:spcAft>
-                      </a:pPr>
-                      <a:r>
-                        <a:rPr lang="zh-CN" sz="1600" kern="100" dirty="0">
-                          <a:effectLst/>
-                        </a:rPr>
-                        <a:t>完善协作与沟通的过程</a:t>
-                      </a:r>
-                      <a:endParaRPr lang="zh-CN" sz="1600" kern="100" dirty="0">
-                        <a:effectLst/>
-                        <a:latin typeface="Times New Roman" panose="02020603050405020304" pitchFamily="18" charset="0"/>
-                        <a:ea typeface="宋体" panose="02010600030101010101" pitchFamily="2" charset="-122"/>
-                        <a:cs typeface="Times New Roman" panose="02020603050405020304" pitchFamily="18" charset="0"/>
-                      </a:endParaRPr>
-                    </a:p>
-                  </a:txBody>
-                  <a:tcPr marL="68580" marR="68580" marT="0" marB="0"/>
-                </a:tc>
-                <a:extLst>
-                  <a:ext uri="{0D108BD9-81ED-4DB2-BD59-A6C34878D82A}">
-                    <a16:rowId xmlns:a16="http://schemas.microsoft.com/office/drawing/2014/main" val="1352918206"/>
-                  </a:ext>
-                </a:extLst>
-              </a:tr>
-            </a:tbl>
-          </a:graphicData>
-        </a:graphic>
-      </p:graphicFrame>
-    </p:spTree>
-    <p:extLst>
-      <p:ext uri="{BB962C8B-B14F-4D97-AF65-F5344CB8AC3E}">
-        <p14:creationId xmlns:p14="http://schemas.microsoft.com/office/powerpoint/2010/main" val="2649611131"/>
-      </p:ext>
-    </p:extLst>
-  </p:cSld>
-  <p:clrMapOvr>
-    <a:masterClrMapping/>
-  </p:clrMapOvr>
-</p:sld>
-</file>
-
-<file path=ppt/slides/slide9.xml><?xml version="1.0" encoding="utf-8"?>
+<file path=ppt/slides/slide14.xml><?xml version="1.0" encoding="utf-8"?>
 <p:sld xmlns:a="http://schemas.openxmlformats.org/drawingml/2006/main" xmlns:r="http://schemas.openxmlformats.org/officeDocument/2006/relationships" xmlns:p="http://schemas.openxmlformats.org/presentationml/2006/main">
   <p:cSld>
     <p:spTree>
@@ -8136,6 +6970,1689 @@
     <p:extLst>
       <p:ext uri="{BB962C8B-B14F-4D97-AF65-F5344CB8AC3E}">
         <p14:creationId xmlns:p14="http://schemas.microsoft.com/office/powerpoint/2010/main" val="608483352"/>
+      </p:ext>
+    </p:extLst>
+  </p:cSld>
+  <p:clrMapOvr>
+    <a:masterClrMapping/>
+  </p:clrMapOvr>
+</p:sld>
+</file>
+
+<file path=ppt/slides/slide15.xml><?xml version="1.0" encoding="utf-8"?>
+<p:sld xmlns:a="http://schemas.openxmlformats.org/drawingml/2006/main" xmlns:r="http://schemas.openxmlformats.org/officeDocument/2006/relationships" xmlns:p="http://schemas.openxmlformats.org/presentationml/2006/main">
+  <p:cSld>
+    <p:spTree>
+      <p:nvGrpSpPr>
+        <p:cNvPr id="1" name=""/>
+        <p:cNvGrpSpPr/>
+        <p:nvPr/>
+      </p:nvGrpSpPr>
+      <p:grpSpPr>
+        <a:xfrm>
+          <a:off x="0" y="0"/>
+          <a:ext cx="0" cy="0"/>
+          <a:chOff x="0" y="0"/>
+          <a:chExt cx="0" cy="0"/>
+        </a:xfrm>
+      </p:grpSpPr>
+      <p:sp>
+        <p:nvSpPr>
+          <p:cNvPr id="2" name="标题 1">
+            <a:extLst>
+              <a:ext uri="{FF2B5EF4-FFF2-40B4-BE49-F238E27FC236}">
+                <a16:creationId xmlns:a16="http://schemas.microsoft.com/office/drawing/2014/main" id="{E1D08681-0B12-8441-A555-4034C2531A59}"/>
+              </a:ext>
+            </a:extLst>
+          </p:cNvPr>
+          <p:cNvSpPr>
+            <a:spLocks noGrp="1"/>
+          </p:cNvSpPr>
+          <p:nvPr>
+            <p:ph type="title"/>
+          </p:nvPr>
+        </p:nvSpPr>
+        <p:spPr>
+          <a:xfrm>
+            <a:off x="2494258" y="2830286"/>
+            <a:ext cx="4892194" cy="1076696"/>
+          </a:xfrm>
+        </p:spPr>
+        <p:txBody>
+          <a:bodyPr>
+            <a:noAutofit/>
+          </a:bodyPr>
+          <a:lstStyle/>
+          <a:p>
+            <a:r>
+              <a:rPr kumimoji="1" lang="zh-CN" altLang="en-US" sz="6000" dirty="0"/>
+              <a:t>谢  谢  观  赏</a:t>
+            </a:r>
+          </a:p>
+        </p:txBody>
+      </p:sp>
+    </p:spTree>
+    <p:extLst>
+      <p:ext uri="{BB962C8B-B14F-4D97-AF65-F5344CB8AC3E}">
+        <p14:creationId xmlns:p14="http://schemas.microsoft.com/office/powerpoint/2010/main" val="1546411002"/>
+      </p:ext>
+    </p:extLst>
+  </p:cSld>
+  <p:clrMapOvr>
+    <a:masterClrMapping/>
+  </p:clrMapOvr>
+</p:sld>
+</file>
+
+<file path=ppt/slides/slide2.xml><?xml version="1.0" encoding="utf-8"?>
+<p:sld xmlns:a="http://schemas.openxmlformats.org/drawingml/2006/main" xmlns:r="http://schemas.openxmlformats.org/officeDocument/2006/relationships" xmlns:p="http://schemas.openxmlformats.org/presentationml/2006/main">
+  <p:cSld>
+    <p:spTree>
+      <p:nvGrpSpPr>
+        <p:cNvPr id="1" name=""/>
+        <p:cNvGrpSpPr/>
+        <p:nvPr/>
+      </p:nvGrpSpPr>
+      <p:grpSpPr>
+        <a:xfrm>
+          <a:off x="0" y="0"/>
+          <a:ext cx="0" cy="0"/>
+          <a:chOff x="0" y="0"/>
+          <a:chExt cx="0" cy="0"/>
+        </a:xfrm>
+      </p:grpSpPr>
+      <p:sp>
+        <p:nvSpPr>
+          <p:cNvPr id="2" name="标题 1">
+            <a:extLst>
+              <a:ext uri="{FF2B5EF4-FFF2-40B4-BE49-F238E27FC236}">
+                <a16:creationId xmlns:a16="http://schemas.microsoft.com/office/drawing/2014/main" id="{F7F58347-C9BA-7147-8BAC-3931B032B65A}"/>
+              </a:ext>
+            </a:extLst>
+          </p:cNvPr>
+          <p:cNvSpPr>
+            <a:spLocks noGrp="1"/>
+          </p:cNvSpPr>
+          <p:nvPr>
+            <p:ph type="title"/>
+          </p:nvPr>
+        </p:nvSpPr>
+        <p:spPr/>
+        <p:txBody>
+          <a:bodyPr>
+            <a:normAutofit/>
+          </a:bodyPr>
+          <a:lstStyle/>
+          <a:p>
+            <a:r>
+              <a:rPr kumimoji="1" lang="zh-CN" altLang="en-US" sz="5400" dirty="0">
+                <a:latin typeface="DengXian" panose="02010600030101010101" pitchFamily="2" charset="-122"/>
+                <a:ea typeface="DengXian" panose="02010600030101010101" pitchFamily="2" charset="-122"/>
+              </a:rPr>
+              <a:t>目录</a:t>
+            </a:r>
+          </a:p>
+        </p:txBody>
+      </p:sp>
+      <p:sp>
+        <p:nvSpPr>
+          <p:cNvPr id="3" name="内容占位符 2">
+            <a:extLst>
+              <a:ext uri="{FF2B5EF4-FFF2-40B4-BE49-F238E27FC236}">
+                <a16:creationId xmlns:a16="http://schemas.microsoft.com/office/drawing/2014/main" id="{DDCAF7C1-67C2-4042-A65A-769DD49E0D46}"/>
+              </a:ext>
+            </a:extLst>
+          </p:cNvPr>
+          <p:cNvSpPr>
+            <a:spLocks noGrp="1"/>
+          </p:cNvSpPr>
+          <p:nvPr>
+            <p:ph idx="1"/>
+          </p:nvPr>
+        </p:nvSpPr>
+        <p:spPr>
+          <a:xfrm>
+            <a:off x="677334" y="1848355"/>
+            <a:ext cx="8596668" cy="4729998"/>
+          </a:xfrm>
+        </p:spPr>
+        <p:txBody>
+          <a:bodyPr>
+            <a:normAutofit lnSpcReduction="10000"/>
+          </a:bodyPr>
+          <a:lstStyle/>
+          <a:p>
+            <a:pPr>
+              <a:lnSpc>
+                <a:spcPct val="200000"/>
+              </a:lnSpc>
+            </a:pPr>
+            <a:r>
+              <a:rPr kumimoji="1" lang="zh-CN" altLang="en-US" sz="2800" dirty="0">
+                <a:latin typeface="DengXian" panose="02010600030101010101" pitchFamily="2" charset="-122"/>
+                <a:ea typeface="DengXian" panose="02010600030101010101" pitchFamily="2" charset="-122"/>
+              </a:rPr>
+              <a:t>项目目标</a:t>
+            </a:r>
+            <a:endParaRPr kumimoji="1" lang="en-US" altLang="zh-CN" sz="2800" dirty="0">
+              <a:latin typeface="DengXian" panose="02010600030101010101" pitchFamily="2" charset="-122"/>
+              <a:ea typeface="DengXian" panose="02010600030101010101" pitchFamily="2" charset="-122"/>
+            </a:endParaRPr>
+          </a:p>
+          <a:p>
+            <a:pPr>
+              <a:lnSpc>
+                <a:spcPct val="200000"/>
+              </a:lnSpc>
+            </a:pPr>
+            <a:r>
+              <a:rPr kumimoji="1" lang="zh-CN" altLang="en-US" sz="2800" dirty="0">
+                <a:latin typeface="DengXian" panose="02010600030101010101" pitchFamily="2" charset="-122"/>
+                <a:ea typeface="DengXian" panose="02010600030101010101" pitchFamily="2" charset="-122"/>
+              </a:rPr>
+              <a:t>框架介绍</a:t>
+            </a:r>
+            <a:endParaRPr kumimoji="1" lang="en-US" altLang="zh-CN" sz="2800" dirty="0">
+              <a:latin typeface="DengXian" panose="02010600030101010101" pitchFamily="2" charset="-122"/>
+              <a:ea typeface="DengXian" panose="02010600030101010101" pitchFamily="2" charset="-122"/>
+            </a:endParaRPr>
+          </a:p>
+          <a:p>
+            <a:pPr>
+              <a:lnSpc>
+                <a:spcPct val="200000"/>
+              </a:lnSpc>
+            </a:pPr>
+            <a:r>
+              <a:rPr kumimoji="1" lang="zh-CN" altLang="en-US" sz="2800" dirty="0">
+                <a:latin typeface="DengXian" panose="02010600030101010101" pitchFamily="2" charset="-122"/>
+                <a:ea typeface="DengXian" panose="02010600030101010101" pitchFamily="2" charset="-122"/>
+              </a:rPr>
+              <a:t>项目组织分工</a:t>
+            </a:r>
+            <a:endParaRPr kumimoji="1" lang="en-US" altLang="zh-CN" sz="2800" dirty="0">
+              <a:latin typeface="DengXian" panose="02010600030101010101" pitchFamily="2" charset="-122"/>
+              <a:ea typeface="DengXian" panose="02010600030101010101" pitchFamily="2" charset="-122"/>
+            </a:endParaRPr>
+          </a:p>
+          <a:p>
+            <a:pPr>
+              <a:lnSpc>
+                <a:spcPct val="200000"/>
+              </a:lnSpc>
+            </a:pPr>
+            <a:r>
+              <a:rPr kumimoji="1" lang="zh-CN" altLang="en-US" sz="2800" dirty="0">
+                <a:latin typeface="DengXian" panose="02010600030101010101" pitchFamily="2" charset="-122"/>
+                <a:ea typeface="DengXian" panose="02010600030101010101" pitchFamily="2" charset="-122"/>
+              </a:rPr>
+              <a:t>项目目标</a:t>
+            </a:r>
+            <a:endParaRPr kumimoji="1" lang="en-US" altLang="zh-CN" sz="2800" dirty="0">
+              <a:latin typeface="DengXian" panose="02010600030101010101" pitchFamily="2" charset="-122"/>
+              <a:ea typeface="DengXian" panose="02010600030101010101" pitchFamily="2" charset="-122"/>
+            </a:endParaRPr>
+          </a:p>
+          <a:p>
+            <a:pPr>
+              <a:lnSpc>
+                <a:spcPct val="200000"/>
+              </a:lnSpc>
+            </a:pPr>
+            <a:r>
+              <a:rPr kumimoji="1" lang="zh-CN" altLang="en-US" sz="2800" dirty="0">
+                <a:latin typeface="DengXian" panose="02010600030101010101" pitchFamily="2" charset="-122"/>
+                <a:ea typeface="DengXian" panose="02010600030101010101" pitchFamily="2" charset="-122"/>
+              </a:rPr>
+              <a:t>贡献值分配</a:t>
+            </a:r>
+          </a:p>
+        </p:txBody>
+      </p:sp>
+    </p:spTree>
+    <p:extLst>
+      <p:ext uri="{BB962C8B-B14F-4D97-AF65-F5344CB8AC3E}">
+        <p14:creationId xmlns:p14="http://schemas.microsoft.com/office/powerpoint/2010/main" val="4189275556"/>
+      </p:ext>
+    </p:extLst>
+  </p:cSld>
+  <p:clrMapOvr>
+    <a:masterClrMapping/>
+  </p:clrMapOvr>
+</p:sld>
+</file>
+
+<file path=ppt/slides/slide3.xml><?xml version="1.0" encoding="utf-8"?>
+<p:sld xmlns:a="http://schemas.openxmlformats.org/drawingml/2006/main" xmlns:r="http://schemas.openxmlformats.org/officeDocument/2006/relationships" xmlns:p="http://schemas.openxmlformats.org/presentationml/2006/main">
+  <p:cSld>
+    <p:spTree>
+      <p:nvGrpSpPr>
+        <p:cNvPr id="1" name=""/>
+        <p:cNvGrpSpPr/>
+        <p:nvPr/>
+      </p:nvGrpSpPr>
+      <p:grpSpPr>
+        <a:xfrm>
+          <a:off x="0" y="0"/>
+          <a:ext cx="0" cy="0"/>
+          <a:chOff x="0" y="0"/>
+          <a:chExt cx="0" cy="0"/>
+        </a:xfrm>
+      </p:grpSpPr>
+      <p:sp>
+        <p:nvSpPr>
+          <p:cNvPr id="2" name="标题 1">
+            <a:extLst>
+              <a:ext uri="{FF2B5EF4-FFF2-40B4-BE49-F238E27FC236}">
+                <a16:creationId xmlns:a16="http://schemas.microsoft.com/office/drawing/2014/main" id="{C62BFB49-441B-5B47-B3AE-D387D19E79D1}"/>
+              </a:ext>
+            </a:extLst>
+          </p:cNvPr>
+          <p:cNvSpPr>
+            <a:spLocks noGrp="1"/>
+          </p:cNvSpPr>
+          <p:nvPr>
+            <p:ph type="title"/>
+          </p:nvPr>
+        </p:nvSpPr>
+        <p:spPr/>
+        <p:txBody>
+          <a:bodyPr/>
+          <a:lstStyle/>
+          <a:p>
+            <a:r>
+              <a:rPr kumimoji="1" lang="zh-CN" altLang="en-US" dirty="0"/>
+              <a:t>项目目标</a:t>
+            </a:r>
+            <a:r>
+              <a:rPr kumimoji="1" lang="en-US" altLang="zh-CN" dirty="0"/>
+              <a:t>——</a:t>
+            </a:r>
+            <a:r>
+              <a:rPr kumimoji="1" lang="zh-CN" altLang="en-US" dirty="0"/>
+              <a:t>选择</a:t>
+            </a:r>
+            <a:r>
+              <a:rPr kumimoji="1" lang="en-US" altLang="zh-CN" dirty="0"/>
+              <a:t>Scrapy</a:t>
+            </a:r>
+            <a:r>
+              <a:rPr kumimoji="1" lang="zh-CN" altLang="en-US" dirty="0"/>
+              <a:t>的原因</a:t>
+            </a:r>
+          </a:p>
+        </p:txBody>
+      </p:sp>
+      <p:sp>
+        <p:nvSpPr>
+          <p:cNvPr id="3" name="内容占位符 2">
+            <a:extLst>
+              <a:ext uri="{FF2B5EF4-FFF2-40B4-BE49-F238E27FC236}">
+                <a16:creationId xmlns:a16="http://schemas.microsoft.com/office/drawing/2014/main" id="{0319CC14-6A9F-AB47-886E-C570F2C7141B}"/>
+              </a:ext>
+            </a:extLst>
+          </p:cNvPr>
+          <p:cNvSpPr>
+            <a:spLocks noGrp="1"/>
+          </p:cNvSpPr>
+          <p:nvPr>
+            <p:ph idx="1"/>
+          </p:nvPr>
+        </p:nvSpPr>
+        <p:spPr>
+          <a:xfrm>
+            <a:off x="677334" y="1555667"/>
+            <a:ext cx="8596668" cy="4485695"/>
+          </a:xfrm>
+        </p:spPr>
+        <p:txBody>
+          <a:bodyPr>
+            <a:normAutofit/>
+          </a:bodyPr>
+          <a:lstStyle/>
+          <a:p>
+            <a:r>
+              <a:rPr kumimoji="1" lang="en-US" altLang="zh-CN" sz="2000" dirty="0"/>
+              <a:t>Scrapy</a:t>
+            </a:r>
+            <a:r>
+              <a:rPr kumimoji="1" lang="zh-CN" altLang="en-US" sz="2000" dirty="0"/>
+              <a:t>使用</a:t>
+            </a:r>
+            <a:r>
+              <a:rPr kumimoji="1" lang="en-US" altLang="zh-CN" sz="2000" dirty="0"/>
+              <a:t>Python</a:t>
+            </a:r>
+            <a:r>
+              <a:rPr kumimoji="1" lang="zh-CN" altLang="en-US" sz="2000" dirty="0"/>
+              <a:t>完成，小组成员更为熟悉；</a:t>
+            </a:r>
+            <a:endParaRPr kumimoji="1" lang="en-US" altLang="zh-CN" sz="2000" dirty="0"/>
+          </a:p>
+          <a:p>
+            <a:r>
+              <a:rPr kumimoji="1" lang="zh-CN" altLang="en-US" sz="2000" dirty="0"/>
+              <a:t>小组成员对</a:t>
+            </a:r>
+            <a:r>
+              <a:rPr kumimoji="1" lang="en-US" altLang="zh-CN" sz="2000" dirty="0"/>
+              <a:t>Scrapy</a:t>
+            </a:r>
+            <a:r>
+              <a:rPr kumimoji="1" lang="zh-CN" altLang="en-US" sz="2000" dirty="0"/>
+              <a:t>更感兴趣；</a:t>
+            </a:r>
+            <a:endParaRPr kumimoji="1" lang="en-US" altLang="zh-CN" sz="2000" dirty="0"/>
+          </a:p>
+          <a:p>
+            <a:r>
+              <a:rPr kumimoji="1" lang="en-US" altLang="zh-CN" sz="2000" dirty="0"/>
+              <a:t>Scrapy</a:t>
+            </a:r>
+            <a:r>
+              <a:rPr kumimoji="1" lang="zh-CN" altLang="en-US" sz="2000" dirty="0"/>
+              <a:t>框架规模适中，符合小组成员期望；</a:t>
+            </a:r>
+            <a:endParaRPr kumimoji="1" lang="en-US" altLang="zh-CN" sz="2000" dirty="0"/>
+          </a:p>
+          <a:p>
+            <a:r>
+              <a:rPr kumimoji="1" lang="en-US" altLang="zh-CN" sz="2000" dirty="0"/>
+              <a:t>Scrapy</a:t>
+            </a:r>
+            <a:r>
+              <a:rPr kumimoji="1" lang="zh-CN" altLang="en-US" sz="2000" dirty="0"/>
+              <a:t>框架具有较为完整的文档和注释；</a:t>
+            </a:r>
+            <a:endParaRPr kumimoji="1" lang="en-US" altLang="zh-CN" sz="2000" dirty="0"/>
+          </a:p>
+          <a:p>
+            <a:r>
+              <a:rPr kumimoji="1" lang="zh-CN" altLang="en-US" sz="2000" dirty="0"/>
+              <a:t>组内成员有</a:t>
+            </a:r>
+            <a:r>
+              <a:rPr kumimoji="1" lang="en-US" altLang="zh-CN" sz="2000" dirty="0"/>
+              <a:t>Scrapy</a:t>
+            </a:r>
+            <a:r>
+              <a:rPr kumimoji="1" lang="zh-CN" altLang="en-US" sz="2000" dirty="0"/>
+              <a:t>使用经历。</a:t>
+            </a:r>
+          </a:p>
+          <a:p>
+            <a:endParaRPr kumimoji="1" lang="zh-CN" altLang="en-US" sz="2000" dirty="0"/>
+          </a:p>
+        </p:txBody>
+      </p:sp>
+    </p:spTree>
+    <p:extLst>
+      <p:ext uri="{BB962C8B-B14F-4D97-AF65-F5344CB8AC3E}">
+        <p14:creationId xmlns:p14="http://schemas.microsoft.com/office/powerpoint/2010/main" val="1826393879"/>
+      </p:ext>
+    </p:extLst>
+  </p:cSld>
+  <p:clrMapOvr>
+    <a:masterClrMapping/>
+  </p:clrMapOvr>
+</p:sld>
+</file>
+
+<file path=ppt/slides/slide4.xml><?xml version="1.0" encoding="utf-8"?>
+<p:sld xmlns:a="http://schemas.openxmlformats.org/drawingml/2006/main" xmlns:r="http://schemas.openxmlformats.org/officeDocument/2006/relationships" xmlns:p="http://schemas.openxmlformats.org/presentationml/2006/main">
+  <p:cSld>
+    <p:spTree>
+      <p:nvGrpSpPr>
+        <p:cNvPr id="1" name=""/>
+        <p:cNvGrpSpPr/>
+        <p:nvPr/>
+      </p:nvGrpSpPr>
+      <p:grpSpPr>
+        <a:xfrm>
+          <a:off x="0" y="0"/>
+          <a:ext cx="0" cy="0"/>
+          <a:chOff x="0" y="0"/>
+          <a:chExt cx="0" cy="0"/>
+        </a:xfrm>
+      </p:grpSpPr>
+      <p:sp>
+        <p:nvSpPr>
+          <p:cNvPr id="2" name="标题 1">
+            <a:extLst>
+              <a:ext uri="{FF2B5EF4-FFF2-40B4-BE49-F238E27FC236}">
+                <a16:creationId xmlns:a16="http://schemas.microsoft.com/office/drawing/2014/main" id="{C62BFB49-441B-5B47-B3AE-D387D19E79D1}"/>
+              </a:ext>
+            </a:extLst>
+          </p:cNvPr>
+          <p:cNvSpPr>
+            <a:spLocks noGrp="1"/>
+          </p:cNvSpPr>
+          <p:nvPr>
+            <p:ph type="title"/>
+          </p:nvPr>
+        </p:nvSpPr>
+        <p:spPr/>
+        <p:txBody>
+          <a:bodyPr/>
+          <a:lstStyle/>
+          <a:p>
+            <a:r>
+              <a:rPr kumimoji="1" lang="zh-CN" altLang="en-US" dirty="0"/>
+              <a:t>项目目标</a:t>
+            </a:r>
+            <a:r>
+              <a:rPr kumimoji="1" lang="en-US" altLang="zh-CN" dirty="0"/>
+              <a:t>——</a:t>
+            </a:r>
+            <a:r>
+              <a:rPr kumimoji="1" lang="zh-CN" altLang="en-US" dirty="0"/>
+              <a:t>项目内容</a:t>
+            </a:r>
+          </a:p>
+        </p:txBody>
+      </p:sp>
+      <p:sp>
+        <p:nvSpPr>
+          <p:cNvPr id="3" name="内容占位符 2">
+            <a:extLst>
+              <a:ext uri="{FF2B5EF4-FFF2-40B4-BE49-F238E27FC236}">
+                <a16:creationId xmlns:a16="http://schemas.microsoft.com/office/drawing/2014/main" id="{0319CC14-6A9F-AB47-886E-C570F2C7141B}"/>
+              </a:ext>
+            </a:extLst>
+          </p:cNvPr>
+          <p:cNvSpPr>
+            <a:spLocks noGrp="1"/>
+          </p:cNvSpPr>
+          <p:nvPr>
+            <p:ph idx="1"/>
+          </p:nvPr>
+        </p:nvSpPr>
+        <p:spPr>
+          <a:xfrm>
+            <a:off x="677334" y="1555667"/>
+            <a:ext cx="8596668" cy="5146974"/>
+          </a:xfrm>
+        </p:spPr>
+        <p:txBody>
+          <a:bodyPr>
+            <a:normAutofit/>
+          </a:bodyPr>
+          <a:lstStyle/>
+          <a:p>
+            <a:r>
+              <a:rPr kumimoji="1" lang="zh-CN" altLang="en-US" sz="2000" dirty="0"/>
+              <a:t>选择</a:t>
+            </a:r>
+            <a:r>
+              <a:rPr kumimoji="1" lang="en-US" altLang="zh-CN" sz="2000" dirty="0"/>
+              <a:t>Scrapy</a:t>
+            </a:r>
+            <a:r>
+              <a:rPr kumimoji="1" lang="zh-CN" altLang="en-US" sz="2000" dirty="0"/>
+              <a:t> </a:t>
+            </a:r>
+            <a:r>
+              <a:rPr kumimoji="1" lang="en-US" altLang="zh-CN" sz="2000" dirty="0"/>
+              <a:t>2.0.0</a:t>
+            </a:r>
+            <a:r>
+              <a:rPr kumimoji="1" lang="zh-CN" altLang="en-US" sz="2000" dirty="0"/>
+              <a:t>版本，了解</a:t>
+            </a:r>
+            <a:r>
+              <a:rPr kumimoji="1" lang="en-US" altLang="zh-CN" sz="2000" dirty="0"/>
+              <a:t>Scrapy</a:t>
+            </a:r>
+            <a:r>
+              <a:rPr kumimoji="1" lang="zh-CN" altLang="en-US" sz="2000" dirty="0"/>
+              <a:t>其框架及内容；</a:t>
+            </a:r>
+            <a:endParaRPr kumimoji="1" lang="en-US" altLang="zh-CN" sz="2000" dirty="0"/>
+          </a:p>
+          <a:p>
+            <a:r>
+              <a:rPr kumimoji="1" lang="zh-CN" altLang="en-US" sz="2000" dirty="0"/>
+              <a:t>根据文档和源码分析</a:t>
+            </a:r>
+            <a:r>
+              <a:rPr kumimoji="1" lang="en-US" altLang="zh-CN" sz="2000" dirty="0"/>
+              <a:t>Scrapy</a:t>
+            </a:r>
+            <a:r>
+              <a:rPr kumimoji="1" lang="zh-CN" altLang="en-US" sz="2000" dirty="0"/>
+              <a:t>框架的功能、架构及需求；</a:t>
+            </a:r>
+            <a:endParaRPr kumimoji="1" lang="en-US" altLang="zh-CN" sz="2000" dirty="0"/>
+          </a:p>
+          <a:p>
+            <a:r>
+              <a:rPr kumimoji="1" lang="zh-CN" altLang="en-US" sz="2000" dirty="0"/>
+              <a:t>为</a:t>
+            </a:r>
+            <a:r>
+              <a:rPr kumimoji="1" lang="en-US" altLang="zh-CN" sz="2000" dirty="0"/>
+              <a:t>Scrapy</a:t>
+            </a:r>
+            <a:r>
+              <a:rPr kumimoji="1" lang="zh-CN" altLang="en-US" sz="2000" dirty="0"/>
+              <a:t>框架建立基于</a:t>
+            </a:r>
+            <a:r>
+              <a:rPr kumimoji="1" lang="en-US" altLang="zh-CN" sz="2000" dirty="0"/>
+              <a:t>web</a:t>
+            </a:r>
+            <a:r>
+              <a:rPr kumimoji="1" lang="zh-CN" altLang="en-US" sz="2000" dirty="0"/>
+              <a:t>的可视化</a:t>
+            </a:r>
+            <a:r>
+              <a:rPr kumimoji="1" lang="en-US" altLang="zh-CN" sz="2000" dirty="0"/>
+              <a:t>UI</a:t>
+            </a:r>
+            <a:r>
+              <a:rPr kumimoji="1" lang="zh-CN" altLang="en-US" sz="2000" dirty="0"/>
+              <a:t>界面；</a:t>
+            </a:r>
+            <a:endParaRPr kumimoji="1" lang="en-US" altLang="zh-CN" sz="2000" dirty="0"/>
+          </a:p>
+          <a:p>
+            <a:r>
+              <a:rPr lang="zh-CN" altLang="en-US" sz="2000" dirty="0"/>
+              <a:t>对可视化</a:t>
+            </a:r>
+            <a:r>
+              <a:rPr lang="en-US" altLang="zh-CN" sz="2000" dirty="0"/>
+              <a:t>UI</a:t>
+            </a:r>
+            <a:r>
+              <a:rPr lang="zh-CN" altLang="en-US" sz="2000" dirty="0"/>
+              <a:t>界面进行测试与评估。</a:t>
+            </a:r>
+            <a:endParaRPr lang="en-US" altLang="zh-CN" sz="2000" dirty="0"/>
+          </a:p>
+          <a:p>
+            <a:r>
+              <a:rPr kumimoji="1" lang="zh-CN" altLang="en-US" sz="1200" dirty="0"/>
+              <a:t>官方网站：</a:t>
+            </a:r>
+            <a:r>
+              <a:rPr kumimoji="1" lang="en-US" altLang="zh-CN" sz="1200" dirty="0"/>
+              <a:t> </a:t>
+            </a:r>
+            <a:r>
+              <a:rPr kumimoji="1" lang="en-US" altLang="zh-CN" sz="1200" dirty="0">
+                <a:hlinkClick r:id="rId2"/>
+              </a:rPr>
+              <a:t>https://scrapy.org</a:t>
+            </a:r>
+            <a:endParaRPr kumimoji="1" lang="en-US" altLang="zh-CN" sz="1200" dirty="0"/>
+          </a:p>
+          <a:p>
+            <a:r>
+              <a:rPr kumimoji="1" lang="en-US" altLang="zh-CN" sz="1200" dirty="0"/>
+              <a:t>Github</a:t>
+            </a:r>
+            <a:r>
+              <a:rPr kumimoji="1" lang="zh-CN" altLang="en-US" sz="1200" dirty="0"/>
+              <a:t>仓库：</a:t>
+            </a:r>
+            <a:r>
+              <a:rPr kumimoji="1" lang="en-US" altLang="zh-CN" sz="1200" dirty="0"/>
+              <a:t> </a:t>
+            </a:r>
+            <a:r>
+              <a:rPr kumimoji="1" lang="en-US" altLang="zh-CN" sz="1200" dirty="0">
+                <a:hlinkClick r:id="rId3"/>
+              </a:rPr>
+              <a:t>https://github.com/scrapy/scrapy</a:t>
+            </a:r>
+            <a:endParaRPr kumimoji="1" lang="zh-CN" altLang="en-US" sz="2000" dirty="0"/>
+          </a:p>
+          <a:p>
+            <a:endParaRPr kumimoji="1" lang="zh-CN" altLang="en-US" sz="2000" dirty="0"/>
+          </a:p>
+        </p:txBody>
+      </p:sp>
+    </p:spTree>
+    <p:extLst>
+      <p:ext uri="{BB962C8B-B14F-4D97-AF65-F5344CB8AC3E}">
+        <p14:creationId xmlns:p14="http://schemas.microsoft.com/office/powerpoint/2010/main" val="484341008"/>
+      </p:ext>
+    </p:extLst>
+  </p:cSld>
+  <p:clrMapOvr>
+    <a:masterClrMapping/>
+  </p:clrMapOvr>
+</p:sld>
+</file>
+
+<file path=ppt/slides/slide5.xml><?xml version="1.0" encoding="utf-8"?>
+<p:sld xmlns:a="http://schemas.openxmlformats.org/drawingml/2006/main" xmlns:r="http://schemas.openxmlformats.org/officeDocument/2006/relationships" xmlns:p="http://schemas.openxmlformats.org/presentationml/2006/main">
+  <p:cSld>
+    <p:spTree>
+      <p:nvGrpSpPr>
+        <p:cNvPr id="1" name=""/>
+        <p:cNvGrpSpPr/>
+        <p:nvPr/>
+      </p:nvGrpSpPr>
+      <p:grpSpPr>
+        <a:xfrm>
+          <a:off x="0" y="0"/>
+          <a:ext cx="0" cy="0"/>
+          <a:chOff x="0" y="0"/>
+          <a:chExt cx="0" cy="0"/>
+        </a:xfrm>
+      </p:grpSpPr>
+      <p:sp>
+        <p:nvSpPr>
+          <p:cNvPr id="2" name="标题 1">
+            <a:extLst>
+              <a:ext uri="{FF2B5EF4-FFF2-40B4-BE49-F238E27FC236}">
+                <a16:creationId xmlns:a16="http://schemas.microsoft.com/office/drawing/2014/main" id="{91E974B6-C73B-4C64-9768-9D8411562E5B}"/>
+              </a:ext>
+            </a:extLst>
+          </p:cNvPr>
+          <p:cNvSpPr>
+            <a:spLocks noGrp="1"/>
+          </p:cNvSpPr>
+          <p:nvPr>
+            <p:ph type="title"/>
+          </p:nvPr>
+        </p:nvSpPr>
+        <p:spPr/>
+        <p:txBody>
+          <a:bodyPr/>
+          <a:lstStyle/>
+          <a:p>
+            <a:r>
+              <a:rPr lang="zh-CN" altLang="en-US" dirty="0"/>
+              <a:t>框架介绍</a:t>
+            </a:r>
+            <a:r>
+              <a:rPr lang="en-US" altLang="zh-CN" dirty="0"/>
+              <a:t>——</a:t>
+            </a:r>
+            <a:r>
+              <a:rPr lang="zh-CN" altLang="en-US" dirty="0"/>
+              <a:t>核心组件</a:t>
+            </a:r>
+          </a:p>
+        </p:txBody>
+      </p:sp>
+      <p:sp>
+        <p:nvSpPr>
+          <p:cNvPr id="3" name="内容占位符 2">
+            <a:extLst>
+              <a:ext uri="{FF2B5EF4-FFF2-40B4-BE49-F238E27FC236}">
+                <a16:creationId xmlns:a16="http://schemas.microsoft.com/office/drawing/2014/main" id="{C02A8AFC-C537-46E3-B19C-8CFECB1FA0EA}"/>
+              </a:ext>
+            </a:extLst>
+          </p:cNvPr>
+          <p:cNvSpPr>
+            <a:spLocks noGrp="1"/>
+          </p:cNvSpPr>
+          <p:nvPr>
+            <p:ph idx="1"/>
+          </p:nvPr>
+        </p:nvSpPr>
+        <p:spPr>
+          <a:xfrm>
+            <a:off x="677334" y="1488613"/>
+            <a:ext cx="8596668" cy="4956575"/>
+          </a:xfrm>
+        </p:spPr>
+        <p:txBody>
+          <a:bodyPr>
+            <a:normAutofit/>
+          </a:bodyPr>
+          <a:lstStyle/>
+          <a:p>
+            <a:r>
+              <a:rPr lang="en-US" altLang="zh-CN" dirty="0"/>
+              <a:t>Scrapy</a:t>
+            </a:r>
+            <a:r>
+              <a:rPr lang="zh-CN" altLang="en-US" dirty="0"/>
+              <a:t>有以下主要核心组件</a:t>
+            </a:r>
+            <a:endParaRPr lang="en-US" altLang="zh-CN" dirty="0"/>
+          </a:p>
+          <a:p>
+            <a:r>
+              <a:rPr lang="en-US" altLang="zh-CN" dirty="0"/>
+              <a:t>Scrapy Engine</a:t>
+            </a:r>
+            <a:r>
+              <a:rPr lang="zh-CN" altLang="en-US" dirty="0"/>
+              <a:t>：核心引擎，负责控制和调度各个组件</a:t>
+            </a:r>
+            <a:endParaRPr lang="en-US" altLang="zh-CN" dirty="0"/>
+          </a:p>
+          <a:p>
+            <a:r>
+              <a:rPr lang="en-US" altLang="zh-CN" dirty="0"/>
+              <a:t>Scheduler</a:t>
+            </a:r>
+            <a:r>
+              <a:rPr lang="zh-CN" altLang="en-US" dirty="0"/>
+              <a:t>：负责管理任务、过滤任务、输出任务的调度器，存储、去重任务都在此控制</a:t>
+            </a:r>
+            <a:endParaRPr lang="en-US" altLang="zh-CN" dirty="0"/>
+          </a:p>
+          <a:p>
+            <a:r>
+              <a:rPr lang="en-US" altLang="zh-CN" dirty="0"/>
+              <a:t>Downloader</a:t>
+            </a:r>
+            <a:r>
+              <a:rPr lang="zh-CN" altLang="en-US" dirty="0"/>
+              <a:t>：下载器，负责在网络上下载网页数据，输入待下载</a:t>
+            </a:r>
+            <a:r>
+              <a:rPr lang="en-US" altLang="zh-CN" dirty="0"/>
+              <a:t>URL</a:t>
+            </a:r>
+            <a:r>
+              <a:rPr lang="zh-CN" altLang="en-US" dirty="0"/>
+              <a:t>，输出下载结果</a:t>
+            </a:r>
+            <a:endParaRPr lang="en-US" altLang="zh-CN" dirty="0"/>
+          </a:p>
+          <a:p>
+            <a:r>
+              <a:rPr lang="en-US" altLang="zh-CN" dirty="0"/>
+              <a:t>Spiders</a:t>
+            </a:r>
+            <a:r>
+              <a:rPr lang="zh-CN" altLang="en-US" dirty="0"/>
+              <a:t>：用户自己编写的爬虫脚本</a:t>
+            </a:r>
+            <a:r>
+              <a:rPr lang="en-US" altLang="zh-CN" dirty="0"/>
+              <a:t>Item </a:t>
+            </a:r>
+          </a:p>
+          <a:p>
+            <a:r>
+              <a:rPr lang="en-US" altLang="zh-CN" dirty="0"/>
+              <a:t>Pipeline</a:t>
+            </a:r>
+            <a:r>
+              <a:rPr lang="zh-CN" altLang="en-US" dirty="0"/>
+              <a:t>：负责输出结构化数据</a:t>
+            </a:r>
+            <a:endParaRPr lang="en-US" altLang="zh-CN" dirty="0"/>
+          </a:p>
+          <a:p>
+            <a:r>
+              <a:rPr lang="en-US" altLang="zh-CN" dirty="0"/>
+              <a:t>Downloader middlewares</a:t>
+            </a:r>
+            <a:r>
+              <a:rPr lang="zh-CN" altLang="en-US" dirty="0"/>
+              <a:t>：介于</a:t>
+            </a:r>
+            <a:r>
+              <a:rPr lang="en-US" altLang="zh-CN" dirty="0"/>
+              <a:t>Scrapy Engine</a:t>
+            </a:r>
+            <a:r>
+              <a:rPr lang="zh-CN" altLang="en-US" dirty="0"/>
+              <a:t>和</a:t>
+            </a:r>
+            <a:r>
+              <a:rPr lang="en-US" altLang="zh-CN" dirty="0"/>
+              <a:t>Downloader</a:t>
+            </a:r>
+            <a:r>
+              <a:rPr lang="zh-CN" altLang="en-US" dirty="0"/>
+              <a:t>之间，在网页在下载前、后进行逻辑处理</a:t>
+            </a:r>
+            <a:endParaRPr lang="en-US" altLang="zh-CN" dirty="0"/>
+          </a:p>
+          <a:p>
+            <a:r>
+              <a:rPr lang="en-US" altLang="zh-CN" dirty="0"/>
+              <a:t>Spider middlewares</a:t>
+            </a:r>
+            <a:r>
+              <a:rPr lang="zh-CN" altLang="en-US" dirty="0"/>
+              <a:t>：介于</a:t>
+            </a:r>
+            <a:r>
+              <a:rPr lang="en-US" altLang="zh-CN" dirty="0"/>
+              <a:t>Scrapy Engine</a:t>
+            </a:r>
+            <a:r>
+              <a:rPr lang="zh-CN" altLang="en-US" dirty="0"/>
+              <a:t>和</a:t>
+            </a:r>
+            <a:r>
+              <a:rPr lang="en-US" altLang="zh-CN" dirty="0"/>
+              <a:t>Spiders</a:t>
+            </a:r>
+            <a:r>
+              <a:rPr lang="zh-CN" altLang="en-US" dirty="0"/>
+              <a:t>之间，在调用爬虫输入下载结果和输出请求</a:t>
+            </a:r>
+            <a:r>
+              <a:rPr lang="en-US" altLang="zh-CN" dirty="0"/>
+              <a:t>/</a:t>
+            </a:r>
+            <a:r>
+              <a:rPr lang="zh-CN" altLang="en-US" dirty="0"/>
+              <a:t>数据时进行逻辑处理</a:t>
+            </a:r>
+          </a:p>
+        </p:txBody>
+      </p:sp>
+    </p:spTree>
+    <p:extLst>
+      <p:ext uri="{BB962C8B-B14F-4D97-AF65-F5344CB8AC3E}">
+        <p14:creationId xmlns:p14="http://schemas.microsoft.com/office/powerpoint/2010/main" val="1099356278"/>
+      </p:ext>
+    </p:extLst>
+  </p:cSld>
+  <p:clrMapOvr>
+    <a:masterClrMapping/>
+  </p:clrMapOvr>
+</p:sld>
+</file>
+
+<file path=ppt/slides/slide6.xml><?xml version="1.0" encoding="utf-8"?>
+<p:sld xmlns:a="http://schemas.openxmlformats.org/drawingml/2006/main" xmlns:r="http://schemas.openxmlformats.org/officeDocument/2006/relationships" xmlns:p="http://schemas.openxmlformats.org/presentationml/2006/main">
+  <p:cSld>
+    <p:spTree>
+      <p:nvGrpSpPr>
+        <p:cNvPr id="1" name=""/>
+        <p:cNvGrpSpPr/>
+        <p:nvPr/>
+      </p:nvGrpSpPr>
+      <p:grpSpPr>
+        <a:xfrm>
+          <a:off x="0" y="0"/>
+          <a:ext cx="0" cy="0"/>
+          <a:chOff x="0" y="0"/>
+          <a:chExt cx="0" cy="0"/>
+        </a:xfrm>
+      </p:grpSpPr>
+      <p:sp>
+        <p:nvSpPr>
+          <p:cNvPr id="2" name="标题 1">
+            <a:extLst>
+              <a:ext uri="{FF2B5EF4-FFF2-40B4-BE49-F238E27FC236}">
+                <a16:creationId xmlns:a16="http://schemas.microsoft.com/office/drawing/2014/main" id="{BA7406C5-445D-4A0A-AD07-E5E420F600DE}"/>
+              </a:ext>
+            </a:extLst>
+          </p:cNvPr>
+          <p:cNvSpPr>
+            <a:spLocks noGrp="1"/>
+          </p:cNvSpPr>
+          <p:nvPr>
+            <p:ph type="title"/>
+          </p:nvPr>
+        </p:nvSpPr>
+        <p:spPr/>
+        <p:txBody>
+          <a:bodyPr/>
+          <a:lstStyle/>
+          <a:p>
+            <a:r>
+              <a:rPr lang="zh-CN" altLang="en-US" dirty="0"/>
+              <a:t>框架介绍</a:t>
+            </a:r>
+            <a:r>
+              <a:rPr lang="en-US" altLang="zh-CN" dirty="0"/>
+              <a:t>——</a:t>
+            </a:r>
+            <a:r>
+              <a:rPr lang="zh-CN" altLang="en-US" dirty="0"/>
+              <a:t>运行过程</a:t>
+            </a:r>
+          </a:p>
+        </p:txBody>
+      </p:sp>
+      <p:sp>
+        <p:nvSpPr>
+          <p:cNvPr id="3" name="内容占位符 2">
+            <a:extLst>
+              <a:ext uri="{FF2B5EF4-FFF2-40B4-BE49-F238E27FC236}">
+                <a16:creationId xmlns:a16="http://schemas.microsoft.com/office/drawing/2014/main" id="{AEAB262F-177F-4A40-8B4A-E82D88CADAB2}"/>
+              </a:ext>
+            </a:extLst>
+          </p:cNvPr>
+          <p:cNvSpPr>
+            <a:spLocks noGrp="1"/>
+          </p:cNvSpPr>
+          <p:nvPr>
+            <p:ph idx="1"/>
+          </p:nvPr>
+        </p:nvSpPr>
+        <p:spPr>
+          <a:xfrm>
+            <a:off x="677334" y="1423743"/>
+            <a:ext cx="8596668" cy="5048078"/>
+          </a:xfrm>
+        </p:spPr>
+        <p:txBody>
+          <a:bodyPr>
+            <a:normAutofit/>
+          </a:bodyPr>
+          <a:lstStyle/>
+          <a:p>
+            <a:r>
+              <a:rPr lang="en-US" altLang="zh-CN" dirty="0"/>
+              <a:t>Scrapy Engine</a:t>
+            </a:r>
+            <a:r>
+              <a:rPr lang="zh-CN" altLang="en-US" dirty="0"/>
+              <a:t>从自定义爬虫中获取初始化请求（也叫种子</a:t>
+            </a:r>
+            <a:r>
+              <a:rPr lang="en-US" altLang="zh-CN" dirty="0"/>
+              <a:t>URL</a:t>
+            </a:r>
+            <a:r>
+              <a:rPr lang="zh-CN" altLang="en-US" dirty="0"/>
+              <a:t>）；</a:t>
+            </a:r>
+          </a:p>
+          <a:p>
+            <a:r>
+              <a:rPr lang="en-US" altLang="zh-CN" dirty="0"/>
+              <a:t>Scrapy Engine</a:t>
+            </a:r>
+            <a:r>
+              <a:rPr lang="zh-CN" altLang="en-US" dirty="0"/>
+              <a:t>把该请求放入</a:t>
+            </a:r>
+            <a:r>
+              <a:rPr lang="en-US" altLang="zh-CN" dirty="0"/>
+              <a:t>Scheduler</a:t>
+            </a:r>
+            <a:r>
+              <a:rPr lang="zh-CN" altLang="en-US" dirty="0"/>
+              <a:t>中，同时</a:t>
+            </a:r>
+            <a:r>
+              <a:rPr lang="en-US" altLang="zh-CN" dirty="0"/>
+              <a:t>Scrapy Engine</a:t>
+            </a:r>
+            <a:r>
+              <a:rPr lang="zh-CN" altLang="en-US" dirty="0"/>
+              <a:t>向</a:t>
+            </a:r>
+            <a:r>
+              <a:rPr lang="en-US" altLang="zh-CN" dirty="0"/>
+              <a:t>Scheduler</a:t>
+            </a:r>
+            <a:r>
+              <a:rPr lang="zh-CN" altLang="en-US" dirty="0"/>
+              <a:t>获取一个待下载的请求（这两部是异步执行的）；</a:t>
+            </a:r>
+          </a:p>
+          <a:p>
+            <a:r>
+              <a:rPr lang="en-US" altLang="zh-CN" dirty="0"/>
+              <a:t>Scheduler</a:t>
+            </a:r>
+            <a:r>
+              <a:rPr lang="zh-CN" altLang="en-US" dirty="0"/>
+              <a:t>返回给</a:t>
+            </a:r>
+            <a:r>
+              <a:rPr lang="en-US" altLang="zh-CN" dirty="0"/>
+              <a:t>Scrapy Engine</a:t>
+            </a:r>
+            <a:r>
+              <a:rPr lang="zh-CN" altLang="en-US" dirty="0"/>
+              <a:t>一个待下载的请求；</a:t>
+            </a:r>
+          </a:p>
+          <a:p>
+            <a:r>
+              <a:rPr lang="en-US" altLang="zh-CN" dirty="0"/>
+              <a:t>Scrapy Engine</a:t>
+            </a:r>
+            <a:r>
+              <a:rPr lang="zh-CN" altLang="en-US" dirty="0"/>
+              <a:t>发送请求给</a:t>
+            </a:r>
+            <a:r>
+              <a:rPr lang="en-US" altLang="zh-CN" dirty="0"/>
+              <a:t>Downloader </a:t>
+            </a:r>
+            <a:r>
+              <a:rPr lang="zh-CN" altLang="en-US" dirty="0"/>
+              <a:t>，中间会经过一系列</a:t>
+            </a:r>
+            <a:r>
+              <a:rPr lang="en-US" altLang="zh-CN" dirty="0"/>
+              <a:t>Downloader middlewares </a:t>
+            </a:r>
+            <a:r>
+              <a:rPr lang="zh-CN" altLang="en-US" dirty="0"/>
+              <a:t>；</a:t>
+            </a:r>
+          </a:p>
+          <a:p>
+            <a:r>
+              <a:rPr lang="zh-CN" altLang="en-US" dirty="0"/>
+              <a:t>这个请求通过</a:t>
+            </a:r>
+            <a:r>
+              <a:rPr lang="en-US" altLang="zh-CN" dirty="0"/>
+              <a:t>Downloader</a:t>
+            </a:r>
+            <a:r>
+              <a:rPr lang="zh-CN" altLang="en-US" dirty="0"/>
+              <a:t>下载完成后，生成一个响应对象，返回给</a:t>
+            </a:r>
+            <a:r>
+              <a:rPr lang="en-US" altLang="zh-CN" dirty="0"/>
+              <a:t>Scrapy Engine</a:t>
+            </a:r>
+            <a:r>
+              <a:rPr lang="zh-CN" altLang="en-US" dirty="0"/>
+              <a:t>，这中间会再次经过一系列</a:t>
+            </a:r>
+            <a:r>
+              <a:rPr lang="en-US" altLang="zh-CN" dirty="0"/>
+              <a:t>Downloader middlewares </a:t>
+            </a:r>
+            <a:r>
+              <a:rPr lang="zh-CN" altLang="en-US" dirty="0"/>
+              <a:t>；</a:t>
+            </a:r>
+          </a:p>
+          <a:p>
+            <a:r>
+              <a:rPr lang="en-US" altLang="zh-CN" dirty="0"/>
+              <a:t>Scrapy Engine</a:t>
+            </a:r>
+            <a:r>
+              <a:rPr lang="zh-CN" altLang="en-US" dirty="0"/>
+              <a:t>接收到下载返回的响应对象后，然后发送给爬虫，执行</a:t>
+            </a:r>
+            <a:r>
+              <a:rPr lang="en-US" altLang="zh-CN" dirty="0"/>
+              <a:t>Spiders</a:t>
+            </a:r>
+            <a:r>
+              <a:rPr lang="zh-CN" altLang="en-US" dirty="0"/>
+              <a:t>逻辑，中间会经过一系列</a:t>
+            </a:r>
+            <a:r>
+              <a:rPr lang="en-US" altLang="zh-CN" dirty="0"/>
+              <a:t>Spider middlewares </a:t>
+            </a:r>
+            <a:r>
+              <a:rPr lang="zh-CN" altLang="en-US" dirty="0"/>
+              <a:t>；</a:t>
+            </a:r>
+          </a:p>
+          <a:p>
+            <a:r>
+              <a:rPr lang="zh-CN" altLang="en-US" dirty="0"/>
+              <a:t>爬虫执行对应的回调方法，处理这个响应，完成用户逻辑后，会生成结果对象或新的请求对象给</a:t>
+            </a:r>
+            <a:r>
+              <a:rPr lang="en-US" altLang="zh-CN" dirty="0"/>
+              <a:t>Scrapy Engine</a:t>
+            </a:r>
+            <a:r>
+              <a:rPr lang="zh-CN" altLang="en-US" dirty="0"/>
+              <a:t>，再次经过一系列</a:t>
+            </a:r>
+            <a:r>
+              <a:rPr lang="en-US" altLang="zh-CN" dirty="0"/>
+              <a:t>Spider middlewares </a:t>
+            </a:r>
+            <a:r>
+              <a:rPr lang="zh-CN" altLang="en-US" dirty="0"/>
+              <a:t>；</a:t>
+            </a:r>
+          </a:p>
+          <a:p>
+            <a:r>
+              <a:rPr lang="en-US" altLang="zh-CN" dirty="0"/>
+              <a:t>Scrapy Engine</a:t>
+            </a:r>
+            <a:r>
+              <a:rPr lang="zh-CN" altLang="en-US" dirty="0"/>
+              <a:t>把爬虫返回的结果对象交由</a:t>
+            </a:r>
+            <a:r>
+              <a:rPr lang="en-US" altLang="zh-CN" dirty="0"/>
+              <a:t>Pipeline</a:t>
+            </a:r>
+            <a:r>
+              <a:rPr lang="zh-CN" altLang="en-US" dirty="0"/>
+              <a:t>处理，把新的请求对象通过</a:t>
+            </a:r>
+            <a:r>
+              <a:rPr lang="en-US" altLang="zh-CN" dirty="0"/>
+              <a:t>Scrapy Engine</a:t>
+            </a:r>
+            <a:r>
+              <a:rPr lang="zh-CN" altLang="en-US" dirty="0"/>
+              <a:t>再交给</a:t>
+            </a:r>
+            <a:r>
+              <a:rPr lang="en-US" altLang="zh-CN" dirty="0"/>
+              <a:t>Scheduler</a:t>
+            </a:r>
+            <a:endParaRPr lang="zh-CN" altLang="en-US" dirty="0"/>
+          </a:p>
+        </p:txBody>
+      </p:sp>
+    </p:spTree>
+    <p:extLst>
+      <p:ext uri="{BB962C8B-B14F-4D97-AF65-F5344CB8AC3E}">
+        <p14:creationId xmlns:p14="http://schemas.microsoft.com/office/powerpoint/2010/main" val="2606584636"/>
+      </p:ext>
+    </p:extLst>
+  </p:cSld>
+  <p:clrMapOvr>
+    <a:masterClrMapping/>
+  </p:clrMapOvr>
+</p:sld>
+</file>
+
+<file path=ppt/slides/slide7.xml><?xml version="1.0" encoding="utf-8"?>
+<p:sld xmlns:a="http://schemas.openxmlformats.org/drawingml/2006/main" xmlns:r="http://schemas.openxmlformats.org/officeDocument/2006/relationships" xmlns:p="http://schemas.openxmlformats.org/presentationml/2006/main">
+  <p:cSld>
+    <p:spTree>
+      <p:nvGrpSpPr>
+        <p:cNvPr id="1" name=""/>
+        <p:cNvGrpSpPr/>
+        <p:nvPr/>
+      </p:nvGrpSpPr>
+      <p:grpSpPr>
+        <a:xfrm>
+          <a:off x="0" y="0"/>
+          <a:ext cx="0" cy="0"/>
+          <a:chOff x="0" y="0"/>
+          <a:chExt cx="0" cy="0"/>
+        </a:xfrm>
+      </p:grpSpPr>
+      <p:sp>
+        <p:nvSpPr>
+          <p:cNvPr id="2" name="标题 1">
+            <a:extLst>
+              <a:ext uri="{FF2B5EF4-FFF2-40B4-BE49-F238E27FC236}">
+                <a16:creationId xmlns:a16="http://schemas.microsoft.com/office/drawing/2014/main" id="{BA7406C5-445D-4A0A-AD07-E5E420F600DE}"/>
+              </a:ext>
+            </a:extLst>
+          </p:cNvPr>
+          <p:cNvSpPr>
+            <a:spLocks noGrp="1"/>
+          </p:cNvSpPr>
+          <p:nvPr>
+            <p:ph type="title"/>
+          </p:nvPr>
+        </p:nvSpPr>
+        <p:spPr/>
+        <p:txBody>
+          <a:bodyPr/>
+          <a:lstStyle/>
+          <a:p>
+            <a:r>
+              <a:rPr lang="zh-CN" altLang="en-US" dirty="0"/>
+              <a:t>框架介绍</a:t>
+            </a:r>
+            <a:r>
+              <a:rPr lang="en-US" altLang="zh-CN" dirty="0"/>
+              <a:t>——</a:t>
+            </a:r>
+            <a:r>
+              <a:rPr lang="zh-CN" altLang="en-US" dirty="0"/>
+              <a:t>运行过程</a:t>
+            </a:r>
+          </a:p>
+        </p:txBody>
+      </p:sp>
+      <p:pic>
+        <p:nvPicPr>
+          <p:cNvPr id="1028" name="Picture 4" descr="preview">
+            <a:extLst>
+              <a:ext uri="{FF2B5EF4-FFF2-40B4-BE49-F238E27FC236}">
+                <a16:creationId xmlns:a16="http://schemas.microsoft.com/office/drawing/2014/main" id="{D1616755-CBC7-41B9-86A8-0209A1B10751}"/>
+              </a:ext>
+            </a:extLst>
+          </p:cNvPr>
+          <p:cNvPicPr>
+            <a:picLocks noChangeAspect="1" noChangeArrowheads="1"/>
+          </p:cNvPicPr>
+          <p:nvPr/>
+        </p:nvPicPr>
+        <p:blipFill>
+          <a:blip r:embed="rId2">
+            <a:extLst>
+              <a:ext uri="{28A0092B-C50C-407E-A947-70E740481C1C}">
+                <a14:useLocalDpi xmlns:a14="http://schemas.microsoft.com/office/drawing/2010/main" val="0"/>
+              </a:ext>
+            </a:extLst>
+          </a:blip>
+          <a:srcRect/>
+          <a:stretch>
+            <a:fillRect/>
+          </a:stretch>
+        </p:blipFill>
+        <p:spPr bwMode="auto">
+          <a:xfrm>
+            <a:off x="1788004" y="1270000"/>
+            <a:ext cx="8012944" cy="5380155"/>
+          </a:xfrm>
+          <a:prstGeom prst="rect">
+            <a:avLst/>
+          </a:prstGeom>
+          <a:noFill/>
+          <a:extLst>
+            <a:ext uri="{909E8E84-426E-40DD-AFC4-6F175D3DCCD1}">
+              <a14:hiddenFill xmlns:a14="http://schemas.microsoft.com/office/drawing/2010/main">
+                <a:solidFill>
+                  <a:srgbClr val="FFFFFF"/>
+                </a:solidFill>
+              </a14:hiddenFill>
+            </a:ext>
+          </a:extLst>
+        </p:spPr>
+      </p:pic>
+    </p:spTree>
+    <p:extLst>
+      <p:ext uri="{BB962C8B-B14F-4D97-AF65-F5344CB8AC3E}">
+        <p14:creationId xmlns:p14="http://schemas.microsoft.com/office/powerpoint/2010/main" val="3302525181"/>
+      </p:ext>
+    </p:extLst>
+  </p:cSld>
+  <p:clrMapOvr>
+    <a:masterClrMapping/>
+  </p:clrMapOvr>
+</p:sld>
+</file>
+
+<file path=ppt/slides/slide8.xml><?xml version="1.0" encoding="utf-8"?>
+<p:sld xmlns:a="http://schemas.openxmlformats.org/drawingml/2006/main" xmlns:r="http://schemas.openxmlformats.org/officeDocument/2006/relationships" xmlns:p="http://schemas.openxmlformats.org/presentationml/2006/main">
+  <p:cSld>
+    <p:spTree>
+      <p:nvGrpSpPr>
+        <p:cNvPr id="1" name=""/>
+        <p:cNvGrpSpPr/>
+        <p:nvPr/>
+      </p:nvGrpSpPr>
+      <p:grpSpPr>
+        <a:xfrm>
+          <a:off x="0" y="0"/>
+          <a:ext cx="0" cy="0"/>
+          <a:chOff x="0" y="0"/>
+          <a:chExt cx="0" cy="0"/>
+        </a:xfrm>
+      </p:grpSpPr>
+      <p:sp>
+        <p:nvSpPr>
+          <p:cNvPr id="2" name="标题 1">
+            <a:extLst>
+              <a:ext uri="{FF2B5EF4-FFF2-40B4-BE49-F238E27FC236}">
+                <a16:creationId xmlns:a16="http://schemas.microsoft.com/office/drawing/2014/main" id="{C62BFB49-441B-5B47-B3AE-D387D19E79D1}"/>
+              </a:ext>
+            </a:extLst>
+          </p:cNvPr>
+          <p:cNvSpPr>
+            <a:spLocks noGrp="1"/>
+          </p:cNvSpPr>
+          <p:nvPr>
+            <p:ph type="title"/>
+          </p:nvPr>
+        </p:nvSpPr>
+        <p:spPr>
+          <a:xfrm>
+            <a:off x="677334" y="414291"/>
+            <a:ext cx="8596668" cy="1320800"/>
+          </a:xfrm>
+        </p:spPr>
+        <p:txBody>
+          <a:bodyPr/>
+          <a:lstStyle/>
+          <a:p>
+            <a:r>
+              <a:rPr kumimoji="1" lang="zh-CN" altLang="en-US" dirty="0"/>
+              <a:t>项目目标</a:t>
+            </a:r>
+          </a:p>
+        </p:txBody>
+      </p:sp>
+      <p:sp>
+        <p:nvSpPr>
+          <p:cNvPr id="3" name="内容占位符 2">
+            <a:extLst>
+              <a:ext uri="{FF2B5EF4-FFF2-40B4-BE49-F238E27FC236}">
+                <a16:creationId xmlns:a16="http://schemas.microsoft.com/office/drawing/2014/main" id="{0319CC14-6A9F-AB47-886E-C570F2C7141B}"/>
+              </a:ext>
+            </a:extLst>
+          </p:cNvPr>
+          <p:cNvSpPr>
+            <a:spLocks noGrp="1"/>
+          </p:cNvSpPr>
+          <p:nvPr>
+            <p:ph idx="1"/>
+          </p:nvPr>
+        </p:nvSpPr>
+        <p:spPr>
+          <a:xfrm>
+            <a:off x="677334" y="1071235"/>
+            <a:ext cx="8596668" cy="2062582"/>
+          </a:xfrm>
+        </p:spPr>
+        <p:txBody>
+          <a:bodyPr vert="horz" lIns="91440" tIns="45720" rIns="91440" bIns="45720" rtlCol="0">
+            <a:normAutofit/>
+          </a:bodyPr>
+          <a:lstStyle/>
+          <a:p>
+            <a:pPr>
+              <a:lnSpc>
+                <a:spcPct val="150000"/>
+              </a:lnSpc>
+            </a:pPr>
+            <a:r>
+              <a:rPr lang="zh-CN" altLang="en-US" dirty="0"/>
+              <a:t>从</a:t>
+            </a:r>
+            <a:r>
+              <a:rPr lang="en-US" altLang="zh-CN" dirty="0"/>
+              <a:t>Scrapy</a:t>
+            </a:r>
+            <a:r>
+              <a:rPr lang="zh-CN" altLang="en-US" dirty="0"/>
+              <a:t>框架出发，根据对源代码与开源文档的分析，逆向编写软件需求规格说明书。并且根据软件需求规格说明书，对所选框架进行改进。改进内容包括框架的易用性和性能等。对改进后的软件进行测试，完成测试需求规格说明书和软件测试报告。完成规定的八项实验并提交综合实验总结报告。</a:t>
+            </a:r>
+          </a:p>
+        </p:txBody>
+      </p:sp>
+    </p:spTree>
+    <p:extLst>
+      <p:ext uri="{BB962C8B-B14F-4D97-AF65-F5344CB8AC3E}">
+        <p14:creationId xmlns:p14="http://schemas.microsoft.com/office/powerpoint/2010/main" val="3069060228"/>
+      </p:ext>
+    </p:extLst>
+  </p:cSld>
+  <p:clrMapOvr>
+    <a:masterClrMapping/>
+  </p:clrMapOvr>
+</p:sld>
+</file>
+
+<file path=ppt/slides/slide9.xml><?xml version="1.0" encoding="utf-8"?>
+<p:sld xmlns:a="http://schemas.openxmlformats.org/drawingml/2006/main" xmlns:r="http://schemas.openxmlformats.org/officeDocument/2006/relationships" xmlns:p="http://schemas.openxmlformats.org/presentationml/2006/main">
+  <p:cSld>
+    <p:spTree>
+      <p:nvGrpSpPr>
+        <p:cNvPr id="1" name=""/>
+        <p:cNvGrpSpPr/>
+        <p:nvPr/>
+      </p:nvGrpSpPr>
+      <p:grpSpPr>
+        <a:xfrm>
+          <a:off x="0" y="0"/>
+          <a:ext cx="0" cy="0"/>
+          <a:chOff x="0" y="0"/>
+          <a:chExt cx="0" cy="0"/>
+        </a:xfrm>
+      </p:grpSpPr>
+      <p:sp>
+        <p:nvSpPr>
+          <p:cNvPr id="2" name="标题 1">
+            <a:extLst>
+              <a:ext uri="{FF2B5EF4-FFF2-40B4-BE49-F238E27FC236}">
+                <a16:creationId xmlns:a16="http://schemas.microsoft.com/office/drawing/2014/main" id="{C62BFB49-441B-5B47-B3AE-D387D19E79D1}"/>
+              </a:ext>
+            </a:extLst>
+          </p:cNvPr>
+          <p:cNvSpPr>
+            <a:spLocks noGrp="1"/>
+          </p:cNvSpPr>
+          <p:nvPr>
+            <p:ph type="title"/>
+          </p:nvPr>
+        </p:nvSpPr>
+        <p:spPr>
+          <a:xfrm>
+            <a:off x="677334" y="414291"/>
+            <a:ext cx="8596668" cy="1320800"/>
+          </a:xfrm>
+        </p:spPr>
+        <p:txBody>
+          <a:bodyPr/>
+          <a:lstStyle/>
+          <a:p>
+            <a:r>
+              <a:rPr kumimoji="1" lang="zh-CN" altLang="en-US" dirty="0"/>
+              <a:t>项目目标</a:t>
+            </a:r>
+            <a:r>
+              <a:rPr kumimoji="1" lang="en-US" altLang="zh-CN" dirty="0"/>
+              <a:t>——</a:t>
+            </a:r>
+            <a:r>
+              <a:rPr kumimoji="1" lang="zh-CN" altLang="en-US" dirty="0"/>
+              <a:t>实现新的需求</a:t>
+            </a:r>
+          </a:p>
+        </p:txBody>
+      </p:sp>
+      <p:sp>
+        <p:nvSpPr>
+          <p:cNvPr id="3" name="内容占位符 2">
+            <a:extLst>
+              <a:ext uri="{FF2B5EF4-FFF2-40B4-BE49-F238E27FC236}">
+                <a16:creationId xmlns:a16="http://schemas.microsoft.com/office/drawing/2014/main" id="{0319CC14-6A9F-AB47-886E-C570F2C7141B}"/>
+              </a:ext>
+            </a:extLst>
+          </p:cNvPr>
+          <p:cNvSpPr>
+            <a:spLocks noGrp="1"/>
+          </p:cNvSpPr>
+          <p:nvPr>
+            <p:ph idx="1"/>
+          </p:nvPr>
+        </p:nvSpPr>
+        <p:spPr>
+          <a:xfrm>
+            <a:off x="677334" y="1071235"/>
+            <a:ext cx="8596668" cy="5613650"/>
+          </a:xfrm>
+        </p:spPr>
+        <p:txBody>
+          <a:bodyPr>
+            <a:normAutofit fontScale="92500" lnSpcReduction="20000"/>
+          </a:bodyPr>
+          <a:lstStyle/>
+          <a:p>
+            <a:pPr lvl="0">
+              <a:lnSpc>
+                <a:spcPct val="150000"/>
+              </a:lnSpc>
+            </a:pPr>
+            <a:r>
+              <a:rPr lang="zh-CN" altLang="zh-CN" dirty="0"/>
+              <a:t>在</a:t>
+            </a:r>
+            <a:r>
+              <a:rPr lang="en-US" altLang="zh-CN" dirty="0"/>
+              <a:t>web</a:t>
+            </a:r>
+            <a:r>
+              <a:rPr lang="zh-CN" altLang="zh-CN" dirty="0"/>
+              <a:t>界面中输入用户需要筛选的标签、目标网站等信息，为用户输出爬虫的内容，时长等，并对输出进行排版。</a:t>
+            </a:r>
+          </a:p>
+          <a:p>
+            <a:pPr lvl="0">
+              <a:lnSpc>
+                <a:spcPct val="150000"/>
+              </a:lnSpc>
+            </a:pPr>
+            <a:r>
+              <a:rPr lang="zh-CN" altLang="zh-CN" dirty="0"/>
+              <a:t>为用户显示爬取信息的词云。</a:t>
+            </a:r>
+          </a:p>
+          <a:p>
+            <a:pPr lvl="0">
+              <a:lnSpc>
+                <a:spcPct val="150000"/>
+              </a:lnSpc>
+            </a:pPr>
+            <a:r>
+              <a:rPr lang="zh-CN" altLang="zh-CN" dirty="0"/>
+              <a:t>将在</a:t>
+            </a:r>
+            <a:r>
+              <a:rPr lang="en-US" altLang="zh-CN" dirty="0"/>
+              <a:t>web</a:t>
+            </a:r>
+            <a:r>
+              <a:rPr lang="zh-CN" altLang="zh-CN" dirty="0"/>
+              <a:t>界面提供调试与编译</a:t>
+            </a:r>
+            <a:r>
+              <a:rPr lang="en-US" altLang="zh-CN" dirty="0"/>
+              <a:t>python</a:t>
+            </a:r>
+            <a:r>
+              <a:rPr lang="zh-CN" altLang="zh-CN" dirty="0"/>
+              <a:t>代码的功能。</a:t>
+            </a:r>
+          </a:p>
+          <a:p>
+            <a:pPr lvl="0">
+              <a:lnSpc>
+                <a:spcPct val="150000"/>
+              </a:lnSpc>
+            </a:pPr>
+            <a:r>
+              <a:rPr lang="zh-CN" altLang="en-US" dirty="0"/>
+              <a:t>对性能进行优化，如：改进</a:t>
+            </a:r>
+            <a:r>
+              <a:rPr lang="en-US" altLang="zh-CN" dirty="0"/>
+              <a:t>Scrapy</a:t>
+            </a:r>
+            <a:r>
+              <a:rPr lang="zh-CN" altLang="en-US" dirty="0"/>
+              <a:t>的去重机制；</a:t>
+            </a:r>
+            <a:r>
+              <a:rPr lang="zh-CN" altLang="zh-CN" dirty="0"/>
+              <a:t>针对一些特定网站给出性能优化方案和性能指标对比</a:t>
+            </a:r>
+            <a:r>
+              <a:rPr lang="zh-CN" altLang="en-US" dirty="0"/>
+              <a:t>等</a:t>
+            </a:r>
+            <a:r>
+              <a:rPr lang="zh-CN" altLang="zh-CN" dirty="0"/>
+              <a:t>。</a:t>
+            </a:r>
+            <a:endParaRPr lang="en-US" altLang="zh-CN" dirty="0"/>
+          </a:p>
+          <a:p>
+            <a:pPr marL="0" lvl="0" indent="0">
+              <a:lnSpc>
+                <a:spcPct val="150000"/>
+              </a:lnSpc>
+              <a:buNone/>
+            </a:pPr>
+            <a:endParaRPr kumimoji="1" lang="zh-CN" altLang="en-US" sz="2000" dirty="0"/>
+          </a:p>
+          <a:p>
+            <a:pPr marL="0" indent="0">
+              <a:buNone/>
+            </a:pPr>
+            <a:r>
+              <a:rPr kumimoji="1" lang="zh-CN" altLang="en-US" sz="3600" dirty="0">
+                <a:solidFill>
+                  <a:schemeClr val="accent1"/>
+                </a:solidFill>
+                <a:latin typeface="+mj-lt"/>
+                <a:ea typeface="+mj-ea"/>
+                <a:cs typeface="+mj-cs"/>
+              </a:rPr>
+              <a:t>选择理由</a:t>
+            </a:r>
+            <a:endParaRPr kumimoji="1" lang="en-US" altLang="zh-CN" sz="3600" dirty="0">
+              <a:solidFill>
+                <a:schemeClr val="accent1"/>
+              </a:solidFill>
+              <a:latin typeface="+mj-lt"/>
+              <a:ea typeface="+mj-ea"/>
+              <a:cs typeface="+mj-cs"/>
+            </a:endParaRPr>
+          </a:p>
+          <a:p>
+            <a:pPr>
+              <a:lnSpc>
+                <a:spcPct val="160000"/>
+              </a:lnSpc>
+            </a:pPr>
+            <a:r>
+              <a:rPr lang="zh-CN" altLang="en-US" dirty="0"/>
+              <a:t>图形化界面可以降低使用者编程难度 </a:t>
+            </a:r>
+            <a:endParaRPr lang="en-US" altLang="zh-CN" dirty="0"/>
+          </a:p>
+          <a:p>
+            <a:pPr>
+              <a:lnSpc>
+                <a:spcPct val="160000"/>
+              </a:lnSpc>
+            </a:pPr>
+            <a:r>
+              <a:rPr lang="zh-CN" altLang="en-US" dirty="0"/>
+              <a:t>鉴于团队背景不同，基于</a:t>
+            </a:r>
+            <a:r>
+              <a:rPr lang="en-US" altLang="zh-CN" dirty="0"/>
+              <a:t>web</a:t>
+            </a:r>
+            <a:r>
+              <a:rPr lang="zh-CN" altLang="en-US" dirty="0"/>
+              <a:t>的图形化界面难度较低，保证了小组每个成员都能容易上手并且充分参与讨论 </a:t>
+            </a:r>
+            <a:endParaRPr lang="en-US" altLang="zh-CN" dirty="0"/>
+          </a:p>
+          <a:p>
+            <a:pPr>
+              <a:lnSpc>
+                <a:spcPct val="160000"/>
+              </a:lnSpc>
+            </a:pPr>
+            <a:r>
+              <a:rPr lang="zh-CN" altLang="en-US" dirty="0"/>
+              <a:t>图形化界面作为一个整体保证了项目期间小组成员要互相协同</a:t>
+            </a:r>
+            <a:endParaRPr lang="en-US" altLang="zh-CN" dirty="0"/>
+          </a:p>
+          <a:p>
+            <a:pPr marL="0" indent="0">
+              <a:buNone/>
+            </a:pPr>
+            <a:endParaRPr kumimoji="1" lang="zh-CN" altLang="en-US" sz="3600" dirty="0">
+              <a:solidFill>
+                <a:schemeClr val="accent1"/>
+              </a:solidFill>
+              <a:latin typeface="+mj-lt"/>
+              <a:ea typeface="+mj-ea"/>
+              <a:cs typeface="+mj-cs"/>
+            </a:endParaRPr>
+          </a:p>
+        </p:txBody>
+      </p:sp>
+    </p:spTree>
+    <p:extLst>
+      <p:ext uri="{BB962C8B-B14F-4D97-AF65-F5344CB8AC3E}">
+        <p14:creationId xmlns:p14="http://schemas.microsoft.com/office/powerpoint/2010/main" val="766582814"/>
       </p:ext>
     </p:extLst>
   </p:cSld>
